--- a/stocksvscovid/Project 3 V1.pptx
+++ b/stocksvscovid/Project 3 V1.pptx
@@ -9306,7 +9306,7 @@
         <p:spPr>
           <a:xfrm>
             <a:off x="683260" y="2116455"/>
-            <a:ext cx="5257800" cy="4093428"/>
+            <a:ext cx="5257800" cy="3170099"/>
           </a:xfrm>
           <a:prstGeom prst="rect">
             <a:avLst/>
@@ -9328,7 +9328,25 @@
                 </a:solidFill>
                 <a:latin typeface="Consolas" panose="020B0609020204030204" pitchFamily="49" charset="0"/>
               </a:rPr>
-              <a:t># %%</a:t>
+              <a:t># Import </a:t>
+            </a:r>
+            <a:r>
+              <a:rPr lang="en-CA" sz="1000" dirty="0" err="1">
+                <a:solidFill>
+                  <a:srgbClr val="6A9955"/>
+                </a:solidFill>
+                <a:latin typeface="Consolas" panose="020B0609020204030204" pitchFamily="49" charset="0"/>
+              </a:rPr>
+              <a:t>SQLAlchemy</a:t>
+            </a:r>
+            <a:r>
+              <a:rPr lang="en-CA" sz="1000" dirty="0">
+                <a:solidFill>
+                  <a:srgbClr val="6A9955"/>
+                </a:solidFill>
+                <a:latin typeface="Consolas" panose="020B0609020204030204" pitchFamily="49" charset="0"/>
+              </a:rPr>
+              <a:t> Dependencies </a:t>
             </a:r>
             <a:endParaRPr lang="en-CA" sz="1000" dirty="0">
               <a:solidFill>
@@ -9341,29 +9359,29 @@
             <a:r>
               <a:rPr lang="en-CA" sz="1000" dirty="0">
                 <a:solidFill>
-                  <a:srgbClr val="6A9955"/>
-                </a:solidFill>
-                <a:latin typeface="Consolas" panose="020B0609020204030204" pitchFamily="49" charset="0"/>
-              </a:rPr>
-              <a:t># Import </a:t>
+                  <a:srgbClr val="C586C0"/>
+                </a:solidFill>
+                <a:latin typeface="Consolas" panose="020B0609020204030204" pitchFamily="49" charset="0"/>
+              </a:rPr>
+              <a:t>import</a:t>
+            </a:r>
+            <a:r>
+              <a:rPr lang="en-CA" sz="1000" dirty="0">
+                <a:solidFill>
+                  <a:srgbClr val="D4D4D4"/>
+                </a:solidFill>
+                <a:latin typeface="Consolas" panose="020B0609020204030204" pitchFamily="49" charset="0"/>
+              </a:rPr>
+              <a:t> </a:t>
             </a:r>
             <a:r>
               <a:rPr lang="en-CA" sz="1000" dirty="0" err="1">
                 <a:solidFill>
-                  <a:srgbClr val="6A9955"/>
-                </a:solidFill>
-                <a:latin typeface="Consolas" panose="020B0609020204030204" pitchFamily="49" charset="0"/>
-              </a:rPr>
-              <a:t>SQLAlchemy</a:t>
-            </a:r>
-            <a:r>
-              <a:rPr lang="en-CA" sz="1000" dirty="0">
-                <a:solidFill>
-                  <a:srgbClr val="6A9955"/>
-                </a:solidFill>
-                <a:latin typeface="Consolas" panose="020B0609020204030204" pitchFamily="49" charset="0"/>
-              </a:rPr>
-              <a:t> Dependencies </a:t>
+                  <a:srgbClr val="D4D4D4"/>
+                </a:solidFill>
+                <a:latin typeface="Consolas" panose="020B0609020204030204" pitchFamily="49" charset="0"/>
+              </a:rPr>
+              <a:t>sqlalchemy</a:t>
             </a:r>
             <a:endParaRPr lang="en-CA" sz="1000" dirty="0">
               <a:solidFill>
@@ -9380,6 +9398,42 @@
                 </a:solidFill>
                 <a:latin typeface="Consolas" panose="020B0609020204030204" pitchFamily="49" charset="0"/>
               </a:rPr>
+              <a:t>from</a:t>
+            </a:r>
+            <a:r>
+              <a:rPr lang="en-CA" sz="1000" dirty="0">
+                <a:solidFill>
+                  <a:srgbClr val="D4D4D4"/>
+                </a:solidFill>
+                <a:latin typeface="Consolas" panose="020B0609020204030204" pitchFamily="49" charset="0"/>
+              </a:rPr>
+              <a:t> </a:t>
+            </a:r>
+            <a:r>
+              <a:rPr lang="en-CA" sz="1000" dirty="0" err="1">
+                <a:solidFill>
+                  <a:srgbClr val="D4D4D4"/>
+                </a:solidFill>
+                <a:latin typeface="Consolas" panose="020B0609020204030204" pitchFamily="49" charset="0"/>
+              </a:rPr>
+              <a:t>sqlalchemy.ext.automap</a:t>
+            </a:r>
+            <a:r>
+              <a:rPr lang="en-CA" sz="1000" dirty="0">
+                <a:solidFill>
+                  <a:srgbClr val="D4D4D4"/>
+                </a:solidFill>
+                <a:latin typeface="Consolas" panose="020B0609020204030204" pitchFamily="49" charset="0"/>
+              </a:rPr>
+              <a:t> </a:t>
+            </a:r>
+            <a:r>
+              <a:rPr lang="en-CA" sz="1000" dirty="0">
+                <a:solidFill>
+                  <a:srgbClr val="C586C0"/>
+                </a:solidFill>
+                <a:latin typeface="Consolas" panose="020B0609020204030204" pitchFamily="49" charset="0"/>
+              </a:rPr>
               <a:t>import</a:t>
             </a:r>
             <a:r>
@@ -9398,7 +9452,7 @@
                 </a:solidFill>
                 <a:latin typeface="Consolas" panose="020B0609020204030204" pitchFamily="49" charset="0"/>
               </a:rPr>
-              <a:t>sqlalchemy</a:t>
+              <a:t>automap_base</a:t>
             </a:r>
             <a:endParaRPr lang="en-CA" sz="1000" dirty="0">
               <a:solidFill>
@@ -9433,7 +9487,7 @@
                 </a:solidFill>
                 <a:latin typeface="Consolas" panose="020B0609020204030204" pitchFamily="49" charset="0"/>
               </a:rPr>
-              <a:t>sqlalchemy.ext.automap</a:t>
+              <a:t>sqlalchemy.orm</a:t>
             </a:r>
             <a:r>
               <a:rPr lang="en-CA" sz="1000" dirty="0">
@@ -9460,6 +9514,26 @@
                 </a:solidFill>
                 <a:latin typeface="Consolas" panose="020B0609020204030204" pitchFamily="49" charset="0"/>
               </a:rPr>
+              <a:t> Session</a:t>
+            </a:r>
+          </a:p>
+          <a:p>
+            <a:r>
+              <a:rPr lang="en-CA" sz="1000" dirty="0">
+                <a:solidFill>
+                  <a:srgbClr val="C586C0"/>
+                </a:solidFill>
+                <a:latin typeface="Consolas" panose="020B0609020204030204" pitchFamily="49" charset="0"/>
+              </a:rPr>
+              <a:t>from</a:t>
+            </a:r>
+            <a:r>
+              <a:rPr lang="en-CA" sz="1000" dirty="0">
+                <a:solidFill>
+                  <a:srgbClr val="D4D4D4"/>
+                </a:solidFill>
+                <a:latin typeface="Consolas" panose="020B0609020204030204" pitchFamily="49" charset="0"/>
+              </a:rPr>
               <a:t> </a:t>
             </a:r>
             <a:r>
@@ -9469,7 +9543,43 @@
                 </a:solidFill>
                 <a:latin typeface="Consolas" panose="020B0609020204030204" pitchFamily="49" charset="0"/>
               </a:rPr>
-              <a:t>automap_base</a:t>
+              <a:t>sqlalchemy</a:t>
+            </a:r>
+            <a:r>
+              <a:rPr lang="en-CA" sz="1000" dirty="0">
+                <a:solidFill>
+                  <a:srgbClr val="D4D4D4"/>
+                </a:solidFill>
+                <a:latin typeface="Consolas" panose="020B0609020204030204" pitchFamily="49" charset="0"/>
+              </a:rPr>
+              <a:t> </a:t>
+            </a:r>
+            <a:r>
+              <a:rPr lang="en-CA" sz="1000" dirty="0">
+                <a:solidFill>
+                  <a:srgbClr val="C586C0"/>
+                </a:solidFill>
+                <a:latin typeface="Consolas" panose="020B0609020204030204" pitchFamily="49" charset="0"/>
+              </a:rPr>
+              <a:t>import</a:t>
+            </a:r>
+            <a:r>
+              <a:rPr lang="en-CA" sz="1000" dirty="0">
+                <a:solidFill>
+                  <a:srgbClr val="D4D4D4"/>
+                </a:solidFill>
+                <a:latin typeface="Consolas" panose="020B0609020204030204" pitchFamily="49" charset="0"/>
+              </a:rPr>
+              <a:t> </a:t>
+            </a:r>
+            <a:r>
+              <a:rPr lang="en-CA" sz="1000" dirty="0" err="1">
+                <a:solidFill>
+                  <a:srgbClr val="D4D4D4"/>
+                </a:solidFill>
+                <a:latin typeface="Consolas" panose="020B0609020204030204" pitchFamily="49" charset="0"/>
+              </a:rPr>
+              <a:t>create_engine</a:t>
             </a:r>
             <a:endParaRPr lang="en-CA" sz="1000" dirty="0">
               <a:solidFill>
@@ -9479,125 +9589,14 @@
             </a:endParaRPr>
           </a:p>
           <a:p>
-            <a:r>
-              <a:rPr lang="en-CA" sz="1000" dirty="0">
-                <a:solidFill>
-                  <a:srgbClr val="C586C0"/>
-                </a:solidFill>
-                <a:latin typeface="Consolas" panose="020B0609020204030204" pitchFamily="49" charset="0"/>
-              </a:rPr>
-              <a:t>from</a:t>
-            </a:r>
-            <a:r>
-              <a:rPr lang="en-CA" sz="1000" dirty="0">
-                <a:solidFill>
-                  <a:srgbClr val="D4D4D4"/>
-                </a:solidFill>
-                <a:latin typeface="Consolas" panose="020B0609020204030204" pitchFamily="49" charset="0"/>
-              </a:rPr>
-              <a:t> </a:t>
-            </a:r>
-            <a:r>
-              <a:rPr lang="en-CA" sz="1000" dirty="0" err="1">
-                <a:solidFill>
-                  <a:srgbClr val="D4D4D4"/>
-                </a:solidFill>
-                <a:latin typeface="Consolas" panose="020B0609020204030204" pitchFamily="49" charset="0"/>
-              </a:rPr>
-              <a:t>sqlalchemy.orm</a:t>
-            </a:r>
-            <a:r>
-              <a:rPr lang="en-CA" sz="1000" dirty="0">
-                <a:solidFill>
-                  <a:srgbClr val="D4D4D4"/>
-                </a:solidFill>
-                <a:latin typeface="Consolas" panose="020B0609020204030204" pitchFamily="49" charset="0"/>
-              </a:rPr>
-              <a:t> </a:t>
-            </a:r>
-            <a:r>
-              <a:rPr lang="en-CA" sz="1000" dirty="0">
-                <a:solidFill>
-                  <a:srgbClr val="C586C0"/>
-                </a:solidFill>
-                <a:latin typeface="Consolas" panose="020B0609020204030204" pitchFamily="49" charset="0"/>
-              </a:rPr>
-              <a:t>import</a:t>
-            </a:r>
-            <a:r>
-              <a:rPr lang="en-CA" sz="1000" dirty="0">
-                <a:solidFill>
-                  <a:srgbClr val="D4D4D4"/>
-                </a:solidFill>
-                <a:latin typeface="Consolas" panose="020B0609020204030204" pitchFamily="49" charset="0"/>
-              </a:rPr>
-              <a:t> Session</a:t>
-            </a:r>
-          </a:p>
-          <a:p>
-            <a:r>
-              <a:rPr lang="en-CA" sz="1000" dirty="0">
-                <a:solidFill>
-                  <a:srgbClr val="C586C0"/>
-                </a:solidFill>
-                <a:latin typeface="Consolas" panose="020B0609020204030204" pitchFamily="49" charset="0"/>
-              </a:rPr>
-              <a:t>from</a:t>
-            </a:r>
-            <a:r>
-              <a:rPr lang="en-CA" sz="1000" dirty="0">
-                <a:solidFill>
-                  <a:srgbClr val="D4D4D4"/>
-                </a:solidFill>
-                <a:latin typeface="Consolas" panose="020B0609020204030204" pitchFamily="49" charset="0"/>
-              </a:rPr>
-              <a:t> </a:t>
-            </a:r>
-            <a:r>
-              <a:rPr lang="en-CA" sz="1000" dirty="0" err="1">
-                <a:solidFill>
-                  <a:srgbClr val="D4D4D4"/>
-                </a:solidFill>
-                <a:latin typeface="Consolas" panose="020B0609020204030204" pitchFamily="49" charset="0"/>
-              </a:rPr>
-              <a:t>sqlalchemy</a:t>
-            </a:r>
-            <a:r>
-              <a:rPr lang="en-CA" sz="1000" dirty="0">
-                <a:solidFill>
-                  <a:srgbClr val="D4D4D4"/>
-                </a:solidFill>
-                <a:latin typeface="Consolas" panose="020B0609020204030204" pitchFamily="49" charset="0"/>
-              </a:rPr>
-              <a:t> </a:t>
-            </a:r>
-            <a:r>
-              <a:rPr lang="en-CA" sz="1000" dirty="0">
-                <a:solidFill>
-                  <a:srgbClr val="C586C0"/>
-                </a:solidFill>
-                <a:latin typeface="Consolas" panose="020B0609020204030204" pitchFamily="49" charset="0"/>
-              </a:rPr>
-              <a:t>import</a:t>
-            </a:r>
-            <a:r>
-              <a:rPr lang="en-CA" sz="1000" dirty="0">
-                <a:solidFill>
-                  <a:srgbClr val="D4D4D4"/>
-                </a:solidFill>
-                <a:latin typeface="Consolas" panose="020B0609020204030204" pitchFamily="49" charset="0"/>
-              </a:rPr>
-              <a:t> </a:t>
-            </a:r>
-            <a:r>
-              <a:rPr lang="en-CA" sz="1000" dirty="0" err="1">
-                <a:solidFill>
-                  <a:srgbClr val="D4D4D4"/>
-                </a:solidFill>
-                <a:latin typeface="Consolas" panose="020B0609020204030204" pitchFamily="49" charset="0"/>
-              </a:rPr>
-              <a:t>create_engine</a:t>
-            </a:r>
+            <a:br>
+              <a:rPr lang="en-CA" sz="1000" dirty="0">
+                <a:solidFill>
+                  <a:srgbClr val="D4D4D4"/>
+                </a:solidFill>
+                <a:latin typeface="Consolas" panose="020B0609020204030204" pitchFamily="49" charset="0"/>
+              </a:rPr>
+            </a:br>
             <a:endParaRPr lang="en-CA" sz="1000" dirty="0">
               <a:solidFill>
                 <a:srgbClr val="D4D4D4"/>
@@ -9606,22 +9605,6 @@
             </a:endParaRPr>
           </a:p>
           <a:p>
-            <a:br>
-              <a:rPr lang="en-CA" sz="1000" dirty="0">
-                <a:solidFill>
-                  <a:srgbClr val="D4D4D4"/>
-                </a:solidFill>
-                <a:latin typeface="Consolas" panose="020B0609020204030204" pitchFamily="49" charset="0"/>
-              </a:rPr>
-            </a:br>
-            <a:br>
-              <a:rPr lang="en-CA" sz="1000" dirty="0">
-                <a:solidFill>
-                  <a:srgbClr val="D4D4D4"/>
-                </a:solidFill>
-                <a:latin typeface="Consolas" panose="020B0609020204030204" pitchFamily="49" charset="0"/>
-              </a:rPr>
-            </a:br>
             <a:r>
               <a:rPr lang="en-CA" sz="1000" dirty="0">
                 <a:solidFill>
@@ -9629,7 +9612,7 @@
                 </a:solidFill>
                 <a:latin typeface="Consolas" panose="020B0609020204030204" pitchFamily="49" charset="0"/>
               </a:rPr>
-              <a:t># %%</a:t>
+              <a:t># Other dependencies</a:t>
             </a:r>
             <a:endParaRPr lang="en-CA" sz="1000" dirty="0">
               <a:solidFill>
@@ -9642,11 +9625,159 @@
             <a:r>
               <a:rPr lang="en-CA" sz="1000" dirty="0">
                 <a:solidFill>
-                  <a:srgbClr val="6A9955"/>
-                </a:solidFill>
-                <a:latin typeface="Consolas" panose="020B0609020204030204" pitchFamily="49" charset="0"/>
-              </a:rPr>
-              <a:t># Other dependencies</a:t>
+                  <a:srgbClr val="C586C0"/>
+                </a:solidFill>
+                <a:latin typeface="Consolas" panose="020B0609020204030204" pitchFamily="49" charset="0"/>
+              </a:rPr>
+              <a:t>import</a:t>
+            </a:r>
+            <a:r>
+              <a:rPr lang="en-CA" sz="1000" dirty="0">
+                <a:solidFill>
+                  <a:srgbClr val="D4D4D4"/>
+                </a:solidFill>
+                <a:latin typeface="Consolas" panose="020B0609020204030204" pitchFamily="49" charset="0"/>
+              </a:rPr>
+              <a:t> pandas </a:t>
+            </a:r>
+            <a:r>
+              <a:rPr lang="en-CA" sz="1000" dirty="0">
+                <a:solidFill>
+                  <a:srgbClr val="C586C0"/>
+                </a:solidFill>
+                <a:latin typeface="Consolas" panose="020B0609020204030204" pitchFamily="49" charset="0"/>
+              </a:rPr>
+              <a:t>as</a:t>
+            </a:r>
+            <a:r>
+              <a:rPr lang="en-CA" sz="1000" dirty="0">
+                <a:solidFill>
+                  <a:srgbClr val="D4D4D4"/>
+                </a:solidFill>
+                <a:latin typeface="Consolas" panose="020B0609020204030204" pitchFamily="49" charset="0"/>
+              </a:rPr>
+              <a:t> pd</a:t>
+            </a:r>
+          </a:p>
+          <a:p>
+            <a:r>
+              <a:rPr lang="en-CA" sz="1000" dirty="0">
+                <a:solidFill>
+                  <a:srgbClr val="C586C0"/>
+                </a:solidFill>
+                <a:latin typeface="Consolas" panose="020B0609020204030204" pitchFamily="49" charset="0"/>
+              </a:rPr>
+              <a:t>from</a:t>
+            </a:r>
+            <a:r>
+              <a:rPr lang="en-CA" sz="1000" dirty="0">
+                <a:solidFill>
+                  <a:srgbClr val="D4D4D4"/>
+                </a:solidFill>
+                <a:latin typeface="Consolas" panose="020B0609020204030204" pitchFamily="49" charset="0"/>
+              </a:rPr>
+              <a:t> datetime </a:t>
+            </a:r>
+            <a:r>
+              <a:rPr lang="en-CA" sz="1000" dirty="0">
+                <a:solidFill>
+                  <a:srgbClr val="C586C0"/>
+                </a:solidFill>
+                <a:latin typeface="Consolas" panose="020B0609020204030204" pitchFamily="49" charset="0"/>
+              </a:rPr>
+              <a:t>import</a:t>
+            </a:r>
+            <a:r>
+              <a:rPr lang="en-CA" sz="1000" dirty="0">
+                <a:solidFill>
+                  <a:srgbClr val="D4D4D4"/>
+                </a:solidFill>
+                <a:latin typeface="Consolas" panose="020B0609020204030204" pitchFamily="49" charset="0"/>
+              </a:rPr>
+              <a:t> datetime </a:t>
+            </a:r>
+            <a:r>
+              <a:rPr lang="en-CA" sz="1000" dirty="0">
+                <a:solidFill>
+                  <a:srgbClr val="C586C0"/>
+                </a:solidFill>
+                <a:latin typeface="Consolas" panose="020B0609020204030204" pitchFamily="49" charset="0"/>
+              </a:rPr>
+              <a:t>as</a:t>
+            </a:r>
+            <a:r>
+              <a:rPr lang="en-CA" sz="1000" dirty="0">
+                <a:solidFill>
+                  <a:srgbClr val="D4D4D4"/>
+                </a:solidFill>
+                <a:latin typeface="Consolas" panose="020B0609020204030204" pitchFamily="49" charset="0"/>
+              </a:rPr>
+              <a:t> dt</a:t>
+            </a:r>
+          </a:p>
+          <a:p>
+            <a:r>
+              <a:rPr lang="en-CA" sz="1000" dirty="0">
+                <a:solidFill>
+                  <a:srgbClr val="C586C0"/>
+                </a:solidFill>
+                <a:latin typeface="Consolas" panose="020B0609020204030204" pitchFamily="49" charset="0"/>
+              </a:rPr>
+              <a:t>import</a:t>
+            </a:r>
+            <a:r>
+              <a:rPr lang="en-CA" sz="1000" dirty="0">
+                <a:solidFill>
+                  <a:srgbClr val="D4D4D4"/>
+                </a:solidFill>
+                <a:latin typeface="Consolas" panose="020B0609020204030204" pitchFamily="49" charset="0"/>
+              </a:rPr>
+              <a:t> </a:t>
+            </a:r>
+            <a:r>
+              <a:rPr lang="en-CA" sz="1000" dirty="0" err="1">
+                <a:solidFill>
+                  <a:srgbClr val="D4D4D4"/>
+                </a:solidFill>
+                <a:latin typeface="Consolas" panose="020B0609020204030204" pitchFamily="49" charset="0"/>
+              </a:rPr>
+              <a:t>pandas_datareader</a:t>
+            </a:r>
+            <a:r>
+              <a:rPr lang="en-CA" sz="1000" dirty="0">
+                <a:solidFill>
+                  <a:srgbClr val="D4D4D4"/>
+                </a:solidFill>
+                <a:latin typeface="Consolas" panose="020B0609020204030204" pitchFamily="49" charset="0"/>
+              </a:rPr>
+              <a:t> </a:t>
+            </a:r>
+            <a:r>
+              <a:rPr lang="en-CA" sz="1000" dirty="0">
+                <a:solidFill>
+                  <a:srgbClr val="C586C0"/>
+                </a:solidFill>
+                <a:latin typeface="Consolas" panose="020B0609020204030204" pitchFamily="49" charset="0"/>
+              </a:rPr>
+              <a:t>as</a:t>
+            </a:r>
+            <a:r>
+              <a:rPr lang="en-CA" sz="1000" dirty="0">
+                <a:solidFill>
+                  <a:srgbClr val="D4D4D4"/>
+                </a:solidFill>
+                <a:latin typeface="Consolas" panose="020B0609020204030204" pitchFamily="49" charset="0"/>
+              </a:rPr>
+              <a:t> </a:t>
+            </a:r>
+            <a:r>
+              <a:rPr lang="en-CA" sz="1000" dirty="0" err="1">
+                <a:solidFill>
+                  <a:srgbClr val="D4D4D4"/>
+                </a:solidFill>
+                <a:latin typeface="Consolas" panose="020B0609020204030204" pitchFamily="49" charset="0"/>
+              </a:rPr>
+              <a:t>pdr</a:t>
             </a:r>
             <a:endParaRPr lang="en-CA" sz="1000" dirty="0">
               <a:solidFill>
@@ -9663,6 +9794,24 @@
                 </a:solidFill>
                 <a:latin typeface="Consolas" panose="020B0609020204030204" pitchFamily="49" charset="0"/>
               </a:rPr>
+              <a:t>from</a:t>
+            </a:r>
+            <a:r>
+              <a:rPr lang="en-CA" sz="1000" dirty="0">
+                <a:solidFill>
+                  <a:srgbClr val="D4D4D4"/>
+                </a:solidFill>
+                <a:latin typeface="Consolas" panose="020B0609020204030204" pitchFamily="49" charset="0"/>
+              </a:rPr>
+              <a:t> bs4 </a:t>
+            </a:r>
+            <a:r>
+              <a:rPr lang="en-CA" sz="1000" dirty="0">
+                <a:solidFill>
+                  <a:srgbClr val="C586C0"/>
+                </a:solidFill>
+                <a:latin typeface="Consolas" panose="020B0609020204030204" pitchFamily="49" charset="0"/>
+              </a:rPr>
               <a:t>import</a:t>
             </a:r>
             <a:r>
@@ -9672,7 +9821,25 @@
                 </a:solidFill>
                 <a:latin typeface="Consolas" panose="020B0609020204030204" pitchFamily="49" charset="0"/>
               </a:rPr>
-              <a:t> pandas </a:t>
+              <a:t> </a:t>
+            </a:r>
+            <a:r>
+              <a:rPr lang="en-CA" sz="1000" dirty="0" err="1">
+                <a:solidFill>
+                  <a:srgbClr val="D4D4D4"/>
+                </a:solidFill>
+                <a:latin typeface="Consolas" panose="020B0609020204030204" pitchFamily="49" charset="0"/>
+              </a:rPr>
+              <a:t>BeautifulSoup</a:t>
+            </a:r>
+            <a:r>
+              <a:rPr lang="en-CA" sz="1000" dirty="0">
+                <a:solidFill>
+                  <a:srgbClr val="D4D4D4"/>
+                </a:solidFill>
+                <a:latin typeface="Consolas" panose="020B0609020204030204" pitchFamily="49" charset="0"/>
+              </a:rPr>
+              <a:t> </a:t>
             </a:r>
             <a:r>
               <a:rPr lang="en-CA" sz="1000" dirty="0">
@@ -9690,7 +9857,7 @@
                 </a:solidFill>
                 <a:latin typeface="Consolas" panose="020B0609020204030204" pitchFamily="49" charset="0"/>
               </a:rPr>
-              <a:t> pd</a:t>
+              <a:t> bs</a:t>
             </a:r>
           </a:p>
           <a:p>
@@ -9701,24 +9868,6 @@
                 </a:solidFill>
                 <a:latin typeface="Consolas" panose="020B0609020204030204" pitchFamily="49" charset="0"/>
               </a:rPr>
-              <a:t>from</a:t>
-            </a:r>
-            <a:r>
-              <a:rPr lang="en-CA" sz="1000" dirty="0">
-                <a:solidFill>
-                  <a:srgbClr val="D4D4D4"/>
-                </a:solidFill>
-                <a:latin typeface="Consolas" panose="020B0609020204030204" pitchFamily="49" charset="0"/>
-              </a:rPr>
-              <a:t> datetime </a:t>
-            </a:r>
-            <a:r>
-              <a:rPr lang="en-CA" sz="1000" dirty="0">
-                <a:solidFill>
-                  <a:srgbClr val="C586C0"/>
-                </a:solidFill>
-                <a:latin typeface="Consolas" panose="020B0609020204030204" pitchFamily="49" charset="0"/>
-              </a:rPr>
               <a:t>import</a:t>
             </a:r>
             <a:r>
@@ -9728,91 +9877,18 @@
                 </a:solidFill>
                 <a:latin typeface="Consolas" panose="020B0609020204030204" pitchFamily="49" charset="0"/>
               </a:rPr>
-              <a:t> datetime </a:t>
-            </a:r>
-            <a:r>
-              <a:rPr lang="en-CA" sz="1000" dirty="0">
-                <a:solidFill>
-                  <a:srgbClr val="C586C0"/>
-                </a:solidFill>
-                <a:latin typeface="Consolas" panose="020B0609020204030204" pitchFamily="49" charset="0"/>
-              </a:rPr>
-              <a:t>as</a:t>
-            </a:r>
-            <a:r>
-              <a:rPr lang="en-CA" sz="1000" dirty="0">
-                <a:solidFill>
-                  <a:srgbClr val="D4D4D4"/>
-                </a:solidFill>
-                <a:latin typeface="Consolas" panose="020B0609020204030204" pitchFamily="49" charset="0"/>
-              </a:rPr>
-              <a:t> dt</a:t>
-            </a:r>
-          </a:p>
-          <a:p>
-            <a:r>
-              <a:rPr lang="en-CA" sz="1000" dirty="0">
-                <a:solidFill>
-                  <a:srgbClr val="C586C0"/>
-                </a:solidFill>
-                <a:latin typeface="Consolas" panose="020B0609020204030204" pitchFamily="49" charset="0"/>
-              </a:rPr>
-              <a:t>import</a:t>
-            </a:r>
-            <a:r>
-              <a:rPr lang="en-CA" sz="1000" dirty="0">
-                <a:solidFill>
-                  <a:srgbClr val="D4D4D4"/>
-                </a:solidFill>
-                <a:latin typeface="Consolas" panose="020B0609020204030204" pitchFamily="49" charset="0"/>
-              </a:rPr>
-              <a:t> </a:t>
-            </a:r>
-            <a:r>
-              <a:rPr lang="en-CA" sz="1000" dirty="0" err="1">
-                <a:solidFill>
-                  <a:srgbClr val="D4D4D4"/>
-                </a:solidFill>
-                <a:latin typeface="Consolas" panose="020B0609020204030204" pitchFamily="49" charset="0"/>
-              </a:rPr>
-              <a:t>pandas_datareader</a:t>
-            </a:r>
-            <a:r>
-              <a:rPr lang="en-CA" sz="1000" dirty="0">
-                <a:solidFill>
-                  <a:srgbClr val="D4D4D4"/>
-                </a:solidFill>
-                <a:latin typeface="Consolas" panose="020B0609020204030204" pitchFamily="49" charset="0"/>
-              </a:rPr>
-              <a:t> </a:t>
-            </a:r>
-            <a:r>
-              <a:rPr lang="en-CA" sz="1000" dirty="0">
-                <a:solidFill>
-                  <a:srgbClr val="C586C0"/>
-                </a:solidFill>
-                <a:latin typeface="Consolas" panose="020B0609020204030204" pitchFamily="49" charset="0"/>
-              </a:rPr>
-              <a:t>as</a:t>
-            </a:r>
-            <a:r>
-              <a:rPr lang="en-CA" sz="1000" dirty="0">
-                <a:solidFill>
-                  <a:srgbClr val="D4D4D4"/>
-                </a:solidFill>
-                <a:latin typeface="Consolas" panose="020B0609020204030204" pitchFamily="49" charset="0"/>
-              </a:rPr>
-              <a:t> </a:t>
-            </a:r>
-            <a:r>
-              <a:rPr lang="en-CA" sz="1000" dirty="0" err="1">
-                <a:solidFill>
-                  <a:srgbClr val="D4D4D4"/>
-                </a:solidFill>
-                <a:latin typeface="Consolas" panose="020B0609020204030204" pitchFamily="49" charset="0"/>
-              </a:rPr>
-              <a:t>pdr</a:t>
-            </a:r>
+              <a:t> requests</a:t>
+            </a:r>
+          </a:p>
+          <a:p>
+            <a:br>
+              <a:rPr lang="en-CA" sz="1000" dirty="0">
+                <a:solidFill>
+                  <a:srgbClr val="D4D4D4"/>
+                </a:solidFill>
+                <a:latin typeface="Consolas" panose="020B0609020204030204" pitchFamily="49" charset="0"/>
+              </a:rPr>
+            </a:br>
             <a:endParaRPr lang="en-CA" sz="1000" dirty="0">
               <a:solidFill>
                 <a:srgbClr val="D4D4D4"/>
@@ -9824,121 +9900,11 @@
             <a:r>
               <a:rPr lang="en-CA" sz="1000" dirty="0">
                 <a:solidFill>
-                  <a:srgbClr val="C586C0"/>
-                </a:solidFill>
-                <a:latin typeface="Consolas" panose="020B0609020204030204" pitchFamily="49" charset="0"/>
-              </a:rPr>
-              <a:t>from</a:t>
-            </a:r>
-            <a:r>
-              <a:rPr lang="en-CA" sz="1000" dirty="0">
-                <a:solidFill>
-                  <a:srgbClr val="D4D4D4"/>
-                </a:solidFill>
-                <a:latin typeface="Consolas" panose="020B0609020204030204" pitchFamily="49" charset="0"/>
-              </a:rPr>
-              <a:t> bs4 </a:t>
-            </a:r>
-            <a:r>
-              <a:rPr lang="en-CA" sz="1000" dirty="0">
-                <a:solidFill>
-                  <a:srgbClr val="C586C0"/>
-                </a:solidFill>
-                <a:latin typeface="Consolas" panose="020B0609020204030204" pitchFamily="49" charset="0"/>
-              </a:rPr>
-              <a:t>import</a:t>
-            </a:r>
-            <a:r>
-              <a:rPr lang="en-CA" sz="1000" dirty="0">
-                <a:solidFill>
-                  <a:srgbClr val="D4D4D4"/>
-                </a:solidFill>
-                <a:latin typeface="Consolas" panose="020B0609020204030204" pitchFamily="49" charset="0"/>
-              </a:rPr>
-              <a:t> </a:t>
-            </a:r>
-            <a:r>
-              <a:rPr lang="en-CA" sz="1000" dirty="0" err="1">
-                <a:solidFill>
-                  <a:srgbClr val="D4D4D4"/>
-                </a:solidFill>
-                <a:latin typeface="Consolas" panose="020B0609020204030204" pitchFamily="49" charset="0"/>
-              </a:rPr>
-              <a:t>BeautifulSoup</a:t>
-            </a:r>
-            <a:r>
-              <a:rPr lang="en-CA" sz="1000" dirty="0">
-                <a:solidFill>
-                  <a:srgbClr val="D4D4D4"/>
-                </a:solidFill>
-                <a:latin typeface="Consolas" panose="020B0609020204030204" pitchFamily="49" charset="0"/>
-              </a:rPr>
-              <a:t> </a:t>
-            </a:r>
-            <a:r>
-              <a:rPr lang="en-CA" sz="1000" dirty="0">
-                <a:solidFill>
-                  <a:srgbClr val="C586C0"/>
-                </a:solidFill>
-                <a:latin typeface="Consolas" panose="020B0609020204030204" pitchFamily="49" charset="0"/>
-              </a:rPr>
-              <a:t>as</a:t>
-            </a:r>
-            <a:r>
-              <a:rPr lang="en-CA" sz="1000" dirty="0">
-                <a:solidFill>
-                  <a:srgbClr val="D4D4D4"/>
-                </a:solidFill>
-                <a:latin typeface="Consolas" panose="020B0609020204030204" pitchFamily="49" charset="0"/>
-              </a:rPr>
-              <a:t> bs</a:t>
-            </a:r>
-          </a:p>
-          <a:p>
-            <a:r>
-              <a:rPr lang="en-CA" sz="1000" dirty="0">
-                <a:solidFill>
-                  <a:srgbClr val="C586C0"/>
-                </a:solidFill>
-                <a:latin typeface="Consolas" panose="020B0609020204030204" pitchFamily="49" charset="0"/>
-              </a:rPr>
-              <a:t>import</a:t>
-            </a:r>
-            <a:r>
-              <a:rPr lang="en-CA" sz="1000" dirty="0">
-                <a:solidFill>
-                  <a:srgbClr val="D4D4D4"/>
-                </a:solidFill>
-                <a:latin typeface="Consolas" panose="020B0609020204030204" pitchFamily="49" charset="0"/>
-              </a:rPr>
-              <a:t> requests</a:t>
-            </a:r>
-          </a:p>
-          <a:p>
-            <a:br>
-              <a:rPr lang="en-CA" sz="1000" dirty="0">
-                <a:solidFill>
-                  <a:srgbClr val="D4D4D4"/>
-                </a:solidFill>
-                <a:latin typeface="Consolas" panose="020B0609020204030204" pitchFamily="49" charset="0"/>
-              </a:rPr>
-            </a:br>
-            <a:br>
-              <a:rPr lang="en-CA" sz="1000" dirty="0">
-                <a:solidFill>
-                  <a:srgbClr val="D4D4D4"/>
-                </a:solidFill>
-                <a:latin typeface="Consolas" panose="020B0609020204030204" pitchFamily="49" charset="0"/>
-              </a:rPr>
-            </a:br>
-            <a:r>
-              <a:rPr lang="en-CA" sz="1000" dirty="0">
-                <a:solidFill>
                   <a:srgbClr val="6A9955"/>
                 </a:solidFill>
                 <a:latin typeface="Consolas" panose="020B0609020204030204" pitchFamily="49" charset="0"/>
               </a:rPr>
-              <a:t># %%</a:t>
+              <a:t># Find out what day it is</a:t>
             </a:r>
             <a:endParaRPr lang="en-CA" sz="1000" dirty="0">
               <a:solidFill>
@@ -9951,23 +9917,6 @@
             <a:r>
               <a:rPr lang="en-CA" sz="1000" dirty="0">
                 <a:solidFill>
-                  <a:srgbClr val="6A9955"/>
-                </a:solidFill>
-                <a:latin typeface="Consolas" panose="020B0609020204030204" pitchFamily="49" charset="0"/>
-              </a:rPr>
-              <a:t># Find out what day it is</a:t>
-            </a:r>
-            <a:endParaRPr lang="en-CA" sz="1000" dirty="0">
-              <a:solidFill>
-                <a:srgbClr val="D4D4D4"/>
-              </a:solidFill>
-              <a:latin typeface="Consolas" panose="020B0609020204030204" pitchFamily="49" charset="0"/>
-            </a:endParaRPr>
-          </a:p>
-          <a:p>
-            <a:r>
-              <a:rPr lang="en-CA" sz="1000" dirty="0">
-                <a:solidFill>
                   <a:srgbClr val="D4D4D4"/>
                 </a:solidFill>
                 <a:latin typeface="Consolas" panose="020B0609020204030204" pitchFamily="49" charset="0"/>
@@ -10085,57 +10034,6 @@
                 <a:latin typeface="Consolas" panose="020B0609020204030204" pitchFamily="49" charset="0"/>
               </a:rPr>
             </a:br>
-            <a:r>
-              <a:rPr lang="en-CA" sz="1000" dirty="0">
-                <a:solidFill>
-                  <a:srgbClr val="6A9955"/>
-                </a:solidFill>
-                <a:latin typeface="Consolas" panose="020B0609020204030204" pitchFamily="49" charset="0"/>
-              </a:rPr>
-              <a:t># %% [markdown]</a:t>
-            </a:r>
-            <a:endParaRPr lang="en-CA" sz="1000" dirty="0">
-              <a:solidFill>
-                <a:srgbClr val="D4D4D4"/>
-              </a:solidFill>
-              <a:latin typeface="Consolas" panose="020B0609020204030204" pitchFamily="49" charset="0"/>
-            </a:endParaRPr>
-          </a:p>
-          <a:p>
-            <a:r>
-              <a:rPr lang="en-CA" sz="1000" dirty="0">
-                <a:solidFill>
-                  <a:srgbClr val="6A9955"/>
-                </a:solidFill>
-                <a:latin typeface="Consolas" panose="020B0609020204030204" pitchFamily="49" charset="0"/>
-              </a:rPr>
-              <a:t># ### Functions to gather and clean stock data and upload to database</a:t>
-            </a:r>
-            <a:endParaRPr lang="en-CA" sz="1000" dirty="0">
-              <a:solidFill>
-                <a:srgbClr val="D4D4D4"/>
-              </a:solidFill>
-              <a:latin typeface="Consolas" panose="020B0609020204030204" pitchFamily="49" charset="0"/>
-            </a:endParaRPr>
-          </a:p>
-          <a:p>
-            <a:br>
-              <a:rPr lang="en-CA" sz="1000" dirty="0">
-                <a:solidFill>
-                  <a:srgbClr val="D4D4D4"/>
-                </a:solidFill>
-                <a:latin typeface="Consolas" panose="020B0609020204030204" pitchFamily="49" charset="0"/>
-              </a:rPr>
-            </a:br>
-            <a:r>
-              <a:rPr lang="en-CA" sz="1000" dirty="0">
-                <a:solidFill>
-                  <a:srgbClr val="6A9955"/>
-                </a:solidFill>
-                <a:latin typeface="Consolas" panose="020B0609020204030204" pitchFamily="49" charset="0"/>
-              </a:rPr>
-              <a:t># %%</a:t>
-            </a:r>
             <a:endParaRPr lang="en-CA" sz="1000" dirty="0">
               <a:solidFill>
                 <a:srgbClr val="D4D4D4"/>
@@ -10160,7 +10058,7 @@
         <p:spPr>
           <a:xfrm>
             <a:off x="5941060" y="2116455"/>
-            <a:ext cx="6096000" cy="4093428"/>
+            <a:ext cx="6096000" cy="3785652"/>
           </a:xfrm>
           <a:prstGeom prst="rect">
             <a:avLst/>
@@ -10862,31 +10760,6 @@
             </a:r>
           </a:p>
           <a:p>
-            <a:br>
-              <a:rPr lang="en-CA" sz="1000" dirty="0">
-                <a:solidFill>
-                  <a:srgbClr val="D4D4D4"/>
-                </a:solidFill>
-                <a:latin typeface="Consolas" panose="020B0609020204030204" pitchFamily="49" charset="0"/>
-              </a:rPr>
-            </a:br>
-            <a:br>
-              <a:rPr lang="en-CA" sz="1000" dirty="0">
-                <a:solidFill>
-                  <a:srgbClr val="D4D4D4"/>
-                </a:solidFill>
-                <a:latin typeface="Consolas" panose="020B0609020204030204" pitchFamily="49" charset="0"/>
-              </a:rPr>
-            </a:br>
-            <a:r>
-              <a:rPr lang="en-CA" sz="1000" dirty="0">
-                <a:solidFill>
-                  <a:srgbClr val="6A9955"/>
-                </a:solidFill>
-                <a:latin typeface="Consolas" panose="020B0609020204030204" pitchFamily="49" charset="0"/>
-              </a:rPr>
-              <a:t># %%</a:t>
-            </a:r>
             <a:endParaRPr lang="en-CA" sz="1000" dirty="0">
               <a:solidFill>
                 <a:srgbClr val="D4D4D4"/>
@@ -12007,8 +11880,8 @@
         </p:blipFill>
         <p:spPr>
           <a:xfrm>
-            <a:off x="4918142" y="1941480"/>
-            <a:ext cx="2355716" cy="4230720"/>
+            <a:off x="4724400" y="1941479"/>
+            <a:ext cx="2549458" cy="4578669"/>
           </a:xfrm>
           <a:prstGeom prst="rect">
             <a:avLst/>
@@ -14492,7 +14365,7 @@
             <a:pPr lvl="1"/>
             <a:r>
               <a:rPr lang="en-US" sz="1400" dirty="0"/>
-              <a:t>Any sector that is reliant on physical interaction (such as travelling, watching movies) had greater reduction of stock prices than others (E.G. Telecommunications vs. Entertainment).</a:t>
+              <a:t>Any sector that is reliant on physical interaction (such as travelling, watching movies) had a greater reduction of stock prices than others (E.G. Telecommunications vs. Entertainment).</a:t>
             </a:r>
           </a:p>
           <a:p>
@@ -15006,7 +14879,7 @@
             </a:r>
             <a:r>
               <a:rPr lang="en-US" sz="1600" dirty="0"/>
-              <a:t>: The news  headlines taken from Global News gave a datetime format which was not in a consistent date format</a:t>
+              <a:t>: The news headlines taken from Global News gave a datetime format which was not in a consistent date format</a:t>
             </a:r>
           </a:p>
           <a:p>
@@ -15027,14 +14900,22 @@
             </a:r>
             <a:r>
               <a:rPr lang="en-US" sz="1600" dirty="0"/>
-              <a:t>: There was no built in function to take an array and transform into a function for the datetime format.</a:t>
+              <a:t>: There was no built-in </a:t>
+            </a:r>
+            <a:r>
+              <a:rPr lang="en-US" sz="1600" dirty="0" err="1"/>
+              <a:t>javascript</a:t>
+            </a:r>
+            <a:r>
+              <a:rPr lang="en-US" sz="1600" dirty="0"/>
+              <a:t> function to take an array from json and transform it to datetime format</a:t>
             </a:r>
           </a:p>
           <a:p>
             <a:pPr lvl="1"/>
             <a:r>
               <a:rPr lang="en-US" sz="1600" dirty="0"/>
-              <a:t>Manually designed one using Panda Date Time library.</a:t>
+              <a:t>Manually designed one</a:t>
             </a:r>
             <a:endParaRPr lang="en-CA" sz="1600" dirty="0"/>
           </a:p>
@@ -15798,7 +15679,7 @@
                   <a:ea typeface="+mn-ea"/>
                   <a:cs typeface="+mn-cs"/>
                 </a:rPr>
-                <a:t>HIVE -  </a:t>
+                <a:t>Kinaxis - </a:t>
               </a:r>
               <a:r>
                 <a:rPr kumimoji="0" lang="en-CA" sz="1400" i="0" u="none" strike="noStrike" kern="1200" cap="none" spc="0" normalizeH="0" baseline="0" noProof="0" dirty="0">
@@ -15815,8 +15696,65 @@
                   <a:ea typeface="+mn-ea"/>
                   <a:cs typeface="+mn-cs"/>
                 </a:rPr>
-                <a:t>A cryptocurrency mining company</a:t>
+                <a:t>A</a:t>
               </a:r>
+              <a:r>
+                <a:rPr kumimoji="0" lang="en-CA" sz="1400" b="1" i="0" u="none" strike="noStrike" kern="1200" cap="none" spc="0" normalizeH="0" baseline="0" noProof="0" dirty="0">
+                  <a:ln>
+                    <a:noFill/>
+                  </a:ln>
+                  <a:solidFill>
+                    <a:srgbClr val="36C9D4"/>
+                  </a:solidFill>
+                  <a:effectLst/>
+                  <a:uLnTx/>
+                  <a:uFillTx/>
+                  <a:latin typeface="Century Gothic"/>
+                  <a:ea typeface="+mn-ea"/>
+                  <a:cs typeface="+mn-cs"/>
+                </a:rPr>
+                <a:t> </a:t>
+              </a:r>
+              <a:r>
+                <a:rPr kumimoji="0" lang="en-CA" sz="1400" i="0" u="none" strike="noStrike" kern="1200" cap="none" spc="0" normalizeH="0" baseline="0" noProof="0" dirty="0">
+                  <a:ln>
+                    <a:noFill/>
+                  </a:ln>
+                  <a:solidFill>
+                    <a:schemeClr val="tx1"/>
+                  </a:solidFill>
+                  <a:effectLst/>
+                  <a:uLnTx/>
+                  <a:uFillTx/>
+                  <a:latin typeface="Century Gothic"/>
+                  <a:ea typeface="+mn-ea"/>
+                  <a:cs typeface="+mn-cs"/>
+                </a:rPr>
+                <a:t>Supply chain management &amp; sales operation planning</a:t>
+              </a:r>
+              <a:r>
+                <a:rPr lang="en-CA" sz="1400" dirty="0">
+                  <a:solidFill>
+                    <a:schemeClr val="tx1"/>
+                  </a:solidFill>
+                  <a:latin typeface="Century Gothic"/>
+                </a:rPr>
+                <a:t> software company</a:t>
+              </a:r>
+              <a:endParaRPr kumimoji="0" lang="en-CA" sz="1400" i="0" u="none" strike="noStrike" kern="1200" cap="none" spc="0" normalizeH="0" baseline="0" noProof="0" dirty="0">
+                <a:ln>
+                  <a:noFill/>
+                </a:ln>
+                <a:solidFill>
+                  <a:schemeClr val="tx1"/>
+                </a:solidFill>
+                <a:effectLst/>
+                <a:uLnTx/>
+                <a:uFillTx/>
+                <a:latin typeface="Century Gothic"/>
+                <a:ea typeface="+mn-ea"/>
+                <a:cs typeface="+mn-cs"/>
+              </a:endParaRPr>
             </a:p>
             <a:p>
               <a:pPr marL="0" marR="0" lvl="0" indent="0" algn="ctr" defTabSz="914400" rtl="0" eaLnBrk="1" fontAlgn="auto" latinLnBrk="0" hangingPunct="1">
@@ -16098,7 +16036,7 @@
                   <a:ea typeface="+mn-ea"/>
                   <a:cs typeface="+mn-cs"/>
                 </a:rPr>
-                <a:t>A aeronautical manufacturer</a:t>
+                <a:t>An aeronautical manufacturer</a:t>
               </a:r>
             </a:p>
             <a:p>
@@ -16417,7 +16355,7 @@
                   <a:ea typeface="+mn-ea"/>
                   <a:cs typeface="+mn-cs"/>
                 </a:rPr>
-                <a:t>RECP – </a:t>
+                <a:t>Recipe Unlimited </a:t>
               </a:r>
               <a:r>
                 <a:rPr kumimoji="0" lang="en-CA" sz="1400" i="0" u="none" strike="noStrike" kern="1200" cap="none" spc="0" normalizeH="0" baseline="0" noProof="0" dirty="0">
@@ -16434,7 +16372,7 @@
                   <a:ea typeface="+mn-ea"/>
                   <a:cs typeface="+mn-cs"/>
                 </a:rPr>
-                <a:t>Recipe Unlimited that manages restaurants under CARA umbrella.</a:t>
+                <a:t>– manages restaurants under CARA umbrella.</a:t>
               </a:r>
             </a:p>
             <a:p>
@@ -16448,7 +16386,7 @@
                   </a:solidFill>
                   <a:latin typeface="Century Gothic"/>
                 </a:rPr>
-                <a:t>CGX – </a:t>
+                <a:t>Cineplex– </a:t>
               </a:r>
               <a:r>
                 <a:rPr lang="en-CA" sz="1400" dirty="0">
@@ -16457,7 +16395,7 @@
                   </a:solidFill>
                   <a:latin typeface="Century Gothic"/>
                 </a:rPr>
-                <a:t>Canadian entertainment company</a:t>
+                <a:t>A Canadian entertainment company</a:t>
               </a:r>
             </a:p>
           </p:txBody>
@@ -17390,7 +17328,41 @@
                 <a:ea typeface="+mn-ea"/>
                 <a:cs typeface="+mn-cs"/>
               </a:rPr>
-              <a:t>Python (Beautiful Soup API, SQLAlchemy)</a:t>
+              <a:t>Python (Beautiful Soup API, </a:t>
+            </a:r>
+            <a:r>
+              <a:rPr kumimoji="0" lang="en-CA" sz="1400" i="0" u="none" strike="noStrike" kern="1200" cap="none" spc="0" normalizeH="0" baseline="0" noProof="0" dirty="0" err="1">
+                <a:ln>
+                  <a:noFill/>
+                </a:ln>
+                <a:solidFill>
+                  <a:schemeClr val="tx1"/>
+                </a:solidFill>
+                <a:effectLst/>
+                <a:uLnTx/>
+                <a:uFillTx/>
+                <a:latin typeface="Century Gothic"/>
+                <a:ea typeface="+mn-ea"/>
+                <a:cs typeface="+mn-cs"/>
+              </a:rPr>
+              <a:t>SQLAlchemy</a:t>
+            </a:r>
+            <a:r>
+              <a:rPr kumimoji="0" lang="en-CA" sz="1400" i="0" u="none" strike="noStrike" kern="1200" cap="none" spc="0" normalizeH="0" baseline="0" noProof="0" dirty="0">
+                <a:ln>
+                  <a:noFill/>
+                </a:ln>
+                <a:solidFill>
+                  <a:schemeClr val="tx1"/>
+                </a:solidFill>
+                <a:effectLst/>
+                <a:uLnTx/>
+                <a:uFillTx/>
+                <a:latin typeface="Century Gothic"/>
+                <a:ea typeface="+mn-ea"/>
+                <a:cs typeface="+mn-cs"/>
+              </a:rPr>
+              <a:t>, Pandas )</a:t>
             </a:r>
           </a:p>
         </p:txBody>
@@ -17500,7 +17472,7 @@
         </p:nvSpPr>
         <p:spPr>
           <a:xfrm>
-            <a:off x="4764506" y="5032917"/>
+            <a:off x="4776036" y="5022205"/>
             <a:ext cx="6863496" cy="374308"/>
           </a:xfrm>
           <a:prstGeom prst="homePlate">
@@ -18014,7 +17986,7 @@
         <p:spPr>
           <a:xfrm>
             <a:off x="1468120" y="1904516"/>
-            <a:ext cx="4472940" cy="4862870"/>
+            <a:ext cx="4472940" cy="3391384"/>
           </a:xfrm>
           <a:prstGeom prst="rect">
             <a:avLst/>
@@ -18037,7 +18009,7 @@
                 <a:latin typeface="Consolas" panose="020B0609020204030204" pitchFamily="49" charset="0"/>
                 <a:cs typeface="Times New Roman" panose="02020603050405020304" pitchFamily="18" charset="0"/>
               </a:rPr>
-              <a:t># To add a new cell, type '# %%'</a:t>
+              <a:t># Import Beautiful Soup</a:t>
             </a:r>
             <a:endParaRPr lang="en-CA" sz="1000" dirty="0">
               <a:solidFill>
@@ -18051,13 +18023,85 @@
             <a:r>
               <a:rPr lang="en-CA" sz="1000" dirty="0">
                 <a:solidFill>
-                  <a:srgbClr val="6A9955"/>
+                  <a:srgbClr val="C586C0"/>
                 </a:solidFill>
                 <a:latin typeface="Consolas" panose="020B0609020204030204" pitchFamily="49" charset="0"/>
                 <a:cs typeface="Times New Roman" panose="02020603050405020304" pitchFamily="18" charset="0"/>
               </a:rPr>
-              <a:t># To add a new markdown cell, type '# %% [markdown]'</a:t>
-            </a:r>
+              <a:t>from</a:t>
+            </a:r>
+            <a:r>
+              <a:rPr lang="en-CA" sz="1000" dirty="0">
+                <a:solidFill>
+                  <a:srgbClr val="D4D4D4"/>
+                </a:solidFill>
+                <a:latin typeface="Consolas" panose="020B0609020204030204" pitchFamily="49" charset="0"/>
+                <a:cs typeface="Times New Roman" panose="02020603050405020304" pitchFamily="18" charset="0"/>
+              </a:rPr>
+              <a:t> bs4 </a:t>
+            </a:r>
+            <a:r>
+              <a:rPr lang="en-CA" sz="1000" dirty="0">
+                <a:solidFill>
+                  <a:srgbClr val="C586C0"/>
+                </a:solidFill>
+                <a:latin typeface="Consolas" panose="020B0609020204030204" pitchFamily="49" charset="0"/>
+                <a:cs typeface="Times New Roman" panose="02020603050405020304" pitchFamily="18" charset="0"/>
+              </a:rPr>
+              <a:t>import</a:t>
+            </a:r>
+            <a:r>
+              <a:rPr lang="en-CA" sz="1000" dirty="0">
+                <a:solidFill>
+                  <a:srgbClr val="D4D4D4"/>
+                </a:solidFill>
+                <a:latin typeface="Consolas" panose="020B0609020204030204" pitchFamily="49" charset="0"/>
+                <a:cs typeface="Times New Roman" panose="02020603050405020304" pitchFamily="18" charset="0"/>
+              </a:rPr>
+              <a:t> </a:t>
+            </a:r>
+            <a:r>
+              <a:rPr lang="en-CA" sz="1000" dirty="0" err="1">
+                <a:solidFill>
+                  <a:srgbClr val="D4D4D4"/>
+                </a:solidFill>
+                <a:latin typeface="Consolas" panose="020B0609020204030204" pitchFamily="49" charset="0"/>
+                <a:cs typeface="Times New Roman" panose="02020603050405020304" pitchFamily="18" charset="0"/>
+              </a:rPr>
+              <a:t>BeautifulSoup</a:t>
+            </a:r>
+            <a:r>
+              <a:rPr lang="en-CA" sz="1000" dirty="0">
+                <a:solidFill>
+                  <a:srgbClr val="D4D4D4"/>
+                </a:solidFill>
+                <a:latin typeface="Consolas" panose="020B0609020204030204" pitchFamily="49" charset="0"/>
+                <a:cs typeface="Times New Roman" panose="02020603050405020304" pitchFamily="18" charset="0"/>
+              </a:rPr>
+              <a:t> </a:t>
+            </a:r>
+            <a:r>
+              <a:rPr lang="en-CA" sz="1000" dirty="0">
+                <a:solidFill>
+                  <a:srgbClr val="C586C0"/>
+                </a:solidFill>
+                <a:latin typeface="Consolas" panose="020B0609020204030204" pitchFamily="49" charset="0"/>
+                <a:cs typeface="Times New Roman" panose="02020603050405020304" pitchFamily="18" charset="0"/>
+              </a:rPr>
+              <a:t>as</a:t>
+            </a:r>
+            <a:r>
+              <a:rPr lang="en-CA" sz="1000" dirty="0">
+                <a:solidFill>
+                  <a:srgbClr val="D4D4D4"/>
+                </a:solidFill>
+                <a:latin typeface="Consolas" panose="020B0609020204030204" pitchFamily="49" charset="0"/>
+                <a:cs typeface="Times New Roman" panose="02020603050405020304" pitchFamily="18" charset="0"/>
+              </a:rPr>
+              <a:t> bs</a:t>
+            </a:r>
+          </a:p>
+          <a:p>
             <a:endParaRPr lang="en-CA" sz="1000" dirty="0">
               <a:solidFill>
                 <a:srgbClr val="D4D4D4"/>
@@ -18070,12 +18114,114 @@
             <a:r>
               <a:rPr lang="en-CA" sz="1000" dirty="0">
                 <a:solidFill>
+                  <a:srgbClr val="C586C0"/>
+                </a:solidFill>
+                <a:latin typeface="Consolas" panose="020B0609020204030204" pitchFamily="49" charset="0"/>
+                <a:cs typeface="Times New Roman" panose="02020603050405020304" pitchFamily="18" charset="0"/>
+              </a:rPr>
+              <a:t>import</a:t>
+            </a:r>
+            <a:r>
+              <a:rPr lang="en-CA" sz="1000" dirty="0">
+                <a:solidFill>
+                  <a:srgbClr val="D4D4D4"/>
+                </a:solidFill>
+                <a:latin typeface="Consolas" panose="020B0609020204030204" pitchFamily="49" charset="0"/>
+                <a:cs typeface="Times New Roman" panose="02020603050405020304" pitchFamily="18" charset="0"/>
+              </a:rPr>
+              <a:t> requests</a:t>
+            </a:r>
+          </a:p>
+          <a:p>
+            <a:r>
+              <a:rPr lang="en-CA" sz="1000" dirty="0">
+                <a:solidFill>
+                  <a:srgbClr val="C586C0"/>
+                </a:solidFill>
+                <a:latin typeface="Consolas" panose="020B0609020204030204" pitchFamily="49" charset="0"/>
+                <a:cs typeface="Times New Roman" panose="02020603050405020304" pitchFamily="18" charset="0"/>
+              </a:rPr>
+              <a:t>from</a:t>
+            </a:r>
+            <a:r>
+              <a:rPr lang="en-CA" sz="1000" dirty="0">
+                <a:solidFill>
+                  <a:srgbClr val="D4D4D4"/>
+                </a:solidFill>
+                <a:latin typeface="Consolas" panose="020B0609020204030204" pitchFamily="49" charset="0"/>
+                <a:cs typeface="Times New Roman" panose="02020603050405020304" pitchFamily="18" charset="0"/>
+              </a:rPr>
+              <a:t> datetime </a:t>
+            </a:r>
+            <a:r>
+              <a:rPr lang="en-CA" sz="1000" dirty="0">
+                <a:solidFill>
+                  <a:srgbClr val="C586C0"/>
+                </a:solidFill>
+                <a:latin typeface="Consolas" panose="020B0609020204030204" pitchFamily="49" charset="0"/>
+                <a:cs typeface="Times New Roman" panose="02020603050405020304" pitchFamily="18" charset="0"/>
+              </a:rPr>
+              <a:t>import</a:t>
+            </a:r>
+            <a:r>
+              <a:rPr lang="en-CA" sz="1000" dirty="0">
+                <a:solidFill>
+                  <a:srgbClr val="D4D4D4"/>
+                </a:solidFill>
+                <a:latin typeface="Consolas" panose="020B0609020204030204" pitchFamily="49" charset="0"/>
+                <a:cs typeface="Times New Roman" panose="02020603050405020304" pitchFamily="18" charset="0"/>
+              </a:rPr>
+              <a:t> datetime </a:t>
+            </a:r>
+            <a:r>
+              <a:rPr lang="en-CA" sz="1000" dirty="0">
+                <a:solidFill>
+                  <a:srgbClr val="C586C0"/>
+                </a:solidFill>
+                <a:latin typeface="Consolas" panose="020B0609020204030204" pitchFamily="49" charset="0"/>
+                <a:cs typeface="Times New Roman" panose="02020603050405020304" pitchFamily="18" charset="0"/>
+              </a:rPr>
+              <a:t>as</a:t>
+            </a:r>
+            <a:r>
+              <a:rPr lang="en-CA" sz="1000" dirty="0">
+                <a:solidFill>
+                  <a:srgbClr val="D4D4D4"/>
+                </a:solidFill>
+                <a:latin typeface="Consolas" panose="020B0609020204030204" pitchFamily="49" charset="0"/>
+                <a:cs typeface="Times New Roman" panose="02020603050405020304" pitchFamily="18" charset="0"/>
+              </a:rPr>
+              <a:t> dt</a:t>
+            </a:r>
+          </a:p>
+          <a:p>
+            <a:br>
+              <a:rPr lang="en-CA" sz="1000" dirty="0">
+                <a:solidFill>
+                  <a:srgbClr val="D4D4D4"/>
+                </a:solidFill>
+                <a:latin typeface="Consolas" panose="020B0609020204030204" pitchFamily="49" charset="0"/>
+                <a:cs typeface="Times New Roman" panose="02020603050405020304" pitchFamily="18" charset="0"/>
+              </a:rPr>
+            </a:br>
+            <a:br>
+              <a:rPr lang="en-CA" sz="1000" dirty="0">
+                <a:solidFill>
+                  <a:srgbClr val="D4D4D4"/>
+                </a:solidFill>
+                <a:latin typeface="Consolas" panose="020B0609020204030204" pitchFamily="49" charset="0"/>
+                <a:cs typeface="Times New Roman" panose="02020603050405020304" pitchFamily="18" charset="0"/>
+              </a:rPr>
+            </a:br>
+            <a:r>
+              <a:rPr lang="en-CA" sz="1000" dirty="0">
+                <a:solidFill>
                   <a:srgbClr val="6A9955"/>
                 </a:solidFill>
                 <a:latin typeface="Consolas" panose="020B0609020204030204" pitchFamily="49" charset="0"/>
                 <a:cs typeface="Times New Roman" panose="02020603050405020304" pitchFamily="18" charset="0"/>
               </a:rPr>
-              <a:t># %%</a:t>
+              <a:t># Request to news site</a:t>
             </a:r>
             <a:endParaRPr lang="en-CA" sz="1000" dirty="0">
               <a:solidFill>
@@ -18087,14 +18233,54 @@
           </a:p>
           <a:p>
             <a:r>
-              <a:rPr lang="en-CA" sz="1000" dirty="0">
-                <a:solidFill>
-                  <a:srgbClr val="6A9955"/>
+              <a:rPr lang="en-CA" sz="1000" dirty="0" err="1">
+                <a:solidFill>
+                  <a:srgbClr val="D4D4D4"/>
                 </a:solidFill>
                 <a:latin typeface="Consolas" panose="020B0609020204030204" pitchFamily="49" charset="0"/>
                 <a:cs typeface="Times New Roman" panose="02020603050405020304" pitchFamily="18" charset="0"/>
               </a:rPr>
-              <a:t># Import Beautiful Soup</a:t>
+              <a:t>url</a:t>
+            </a:r>
+            <a:r>
+              <a:rPr lang="en-CA" sz="1000" dirty="0">
+                <a:solidFill>
+                  <a:srgbClr val="D4D4D4"/>
+                </a:solidFill>
+                <a:latin typeface="Consolas" panose="020B0609020204030204" pitchFamily="49" charset="0"/>
+                <a:cs typeface="Times New Roman" panose="02020603050405020304" pitchFamily="18" charset="0"/>
+              </a:rPr>
+              <a:t>=</a:t>
+            </a:r>
+            <a:r>
+              <a:rPr lang="en-CA" sz="1000" dirty="0">
+                <a:solidFill>
+                  <a:srgbClr val="CE9178"/>
+                </a:solidFill>
+                <a:latin typeface="Consolas" panose="020B0609020204030204" pitchFamily="49" charset="0"/>
+                <a:cs typeface="Times New Roman" panose="02020603050405020304" pitchFamily="18" charset="0"/>
+              </a:rPr>
+              <a:t>'https://globalnews.ca/news/6859636/</a:t>
+            </a:r>
+            <a:r>
+              <a:rPr lang="en-CA" sz="1000" dirty="0" err="1">
+                <a:solidFill>
+                  <a:srgbClr val="CE9178"/>
+                </a:solidFill>
+                <a:latin typeface="Consolas" panose="020B0609020204030204" pitchFamily="49" charset="0"/>
+                <a:cs typeface="Times New Roman" panose="02020603050405020304" pitchFamily="18" charset="0"/>
+              </a:rPr>
+              <a:t>ontario</a:t>
+            </a:r>
+            <a:r>
+              <a:rPr lang="en-CA" sz="1000" dirty="0">
+                <a:solidFill>
+                  <a:srgbClr val="CE9178"/>
+                </a:solidFill>
+                <a:latin typeface="Consolas" panose="020B0609020204030204" pitchFamily="49" charset="0"/>
+                <a:cs typeface="Times New Roman" panose="02020603050405020304" pitchFamily="18" charset="0"/>
+              </a:rPr>
+              <a:t>-coronavirus-timeline/'</a:t>
             </a:r>
             <a:endParaRPr lang="en-CA" sz="1000" dirty="0">
               <a:solidFill>
@@ -18108,54 +18294,56 @@
             <a:r>
               <a:rPr lang="en-CA" sz="1000" dirty="0">
                 <a:solidFill>
-                  <a:srgbClr val="C586C0"/>
+                  <a:srgbClr val="D4D4D4"/>
                 </a:solidFill>
                 <a:latin typeface="Consolas" panose="020B0609020204030204" pitchFamily="49" charset="0"/>
                 <a:cs typeface="Times New Roman" panose="02020603050405020304" pitchFamily="18" charset="0"/>
               </a:rPr>
-              <a:t>from</a:t>
-            </a:r>
-            <a:r>
-              <a:rPr lang="en-CA" sz="1000" dirty="0">
+              <a:t>response = </a:t>
+            </a:r>
+            <a:r>
+              <a:rPr lang="en-CA" sz="1000" dirty="0" err="1">
                 <a:solidFill>
                   <a:srgbClr val="D4D4D4"/>
                 </a:solidFill>
                 <a:latin typeface="Consolas" panose="020B0609020204030204" pitchFamily="49" charset="0"/>
                 <a:cs typeface="Times New Roman" panose="02020603050405020304" pitchFamily="18" charset="0"/>
               </a:rPr>
-              <a:t> bs4 </a:t>
-            </a:r>
-            <a:r>
-              <a:rPr lang="en-CA" sz="1000" dirty="0">
-                <a:solidFill>
-                  <a:srgbClr val="C586C0"/>
+              <a:t>requests.get</a:t>
+            </a:r>
+            <a:r>
+              <a:rPr lang="en-CA" sz="1000" dirty="0">
+                <a:solidFill>
+                  <a:srgbClr val="D4D4D4"/>
                 </a:solidFill>
                 <a:latin typeface="Consolas" panose="020B0609020204030204" pitchFamily="49" charset="0"/>
                 <a:cs typeface="Times New Roman" panose="02020603050405020304" pitchFamily="18" charset="0"/>
               </a:rPr>
-              <a:t>import</a:t>
-            </a:r>
-            <a:r>
-              <a:rPr lang="en-CA" sz="1000" dirty="0">
+              <a:t>(</a:t>
+            </a:r>
+            <a:r>
+              <a:rPr lang="en-CA" sz="1000" dirty="0" err="1">
                 <a:solidFill>
                   <a:srgbClr val="D4D4D4"/>
                 </a:solidFill>
                 <a:latin typeface="Consolas" panose="020B0609020204030204" pitchFamily="49" charset="0"/>
                 <a:cs typeface="Times New Roman" panose="02020603050405020304" pitchFamily="18" charset="0"/>
               </a:rPr>
-              <a:t> </a:t>
-            </a:r>
-            <a:r>
-              <a:rPr lang="en-CA" sz="1000" dirty="0" err="1">
+              <a:t>url</a:t>
+            </a:r>
+            <a:r>
+              <a:rPr lang="en-CA" sz="1000" dirty="0">
                 <a:solidFill>
                   <a:srgbClr val="D4D4D4"/>
                 </a:solidFill>
                 <a:latin typeface="Consolas" panose="020B0609020204030204" pitchFamily="49" charset="0"/>
                 <a:cs typeface="Times New Roman" panose="02020603050405020304" pitchFamily="18" charset="0"/>
               </a:rPr>
-              <a:t>BeautifulSoup</a:t>
-            </a:r>
-            <a:r>
+              <a:t>)</a:t>
+            </a:r>
+          </a:p>
+          <a:p>
+            <a:br>
               <a:rPr lang="en-CA" sz="1000" dirty="0">
                 <a:solidFill>
                   <a:srgbClr val="D4D4D4"/>
@@ -18163,57 +18351,16 @@
                 <a:latin typeface="Consolas" panose="020B0609020204030204" pitchFamily="49" charset="0"/>
                 <a:cs typeface="Times New Roman" panose="02020603050405020304" pitchFamily="18" charset="0"/>
               </a:rPr>
-              <a:t> </a:t>
-            </a:r>
-            <a:r>
-              <a:rPr lang="en-CA" sz="1000" dirty="0">
-                <a:solidFill>
-                  <a:srgbClr val="C586C0"/>
+            </a:br>
+            <a:r>
+              <a:rPr lang="en-CA" sz="1000" dirty="0">
+                <a:solidFill>
+                  <a:srgbClr val="6A9955"/>
                 </a:solidFill>
                 <a:latin typeface="Consolas" panose="020B0609020204030204" pitchFamily="49" charset="0"/>
                 <a:cs typeface="Times New Roman" panose="02020603050405020304" pitchFamily="18" charset="0"/>
               </a:rPr>
-              <a:t>as</a:t>
-            </a:r>
-            <a:r>
-              <a:rPr lang="en-CA" sz="1000" dirty="0">
-                <a:solidFill>
-                  <a:srgbClr val="D4D4D4"/>
-                </a:solidFill>
-                <a:latin typeface="Consolas" panose="020B0609020204030204" pitchFamily="49" charset="0"/>
-                <a:cs typeface="Times New Roman" panose="02020603050405020304" pitchFamily="18" charset="0"/>
-              </a:rPr>
-              <a:t> bs</a:t>
-            </a:r>
-          </a:p>
-          <a:p>
-            <a:br>
-              <a:rPr lang="en-CA" sz="1000" dirty="0">
-                <a:solidFill>
-                  <a:srgbClr val="D4D4D4"/>
-                </a:solidFill>
-                <a:latin typeface="Consolas" panose="020B0609020204030204" pitchFamily="49" charset="0"/>
-                <a:cs typeface="Times New Roman" panose="02020603050405020304" pitchFamily="18" charset="0"/>
-              </a:rPr>
-            </a:br>
-            <a:br>
-              <a:rPr lang="en-CA" sz="1000" dirty="0">
-                <a:solidFill>
-                  <a:srgbClr val="D4D4D4"/>
-                </a:solidFill>
-                <a:latin typeface="Consolas" panose="020B0609020204030204" pitchFamily="49" charset="0"/>
-                <a:cs typeface="Times New Roman" panose="02020603050405020304" pitchFamily="18" charset="0"/>
-              </a:rPr>
-            </a:br>
-            <a:r>
-              <a:rPr lang="en-CA" sz="1000" dirty="0">
-                <a:solidFill>
-                  <a:srgbClr val="6A9955"/>
-                </a:solidFill>
-                <a:latin typeface="Consolas" panose="020B0609020204030204" pitchFamily="49" charset="0"/>
-                <a:cs typeface="Times New Roman" panose="02020603050405020304" pitchFamily="18" charset="0"/>
-              </a:rPr>
-              <a:t># %%</a:t>
+              <a:t># Dictionary to convert date-time</a:t>
             </a:r>
             <a:endParaRPr lang="en-CA" sz="1000" dirty="0">
               <a:solidFill>
@@ -18227,22 +18374,595 @@
             <a:r>
               <a:rPr lang="en-CA" sz="1000" dirty="0">
                 <a:solidFill>
-                  <a:srgbClr val="C586C0"/>
+                  <a:srgbClr val="D4D4D4"/>
                 </a:solidFill>
                 <a:latin typeface="Consolas" panose="020B0609020204030204" pitchFamily="49" charset="0"/>
                 <a:cs typeface="Times New Roman" panose="02020603050405020304" pitchFamily="18" charset="0"/>
               </a:rPr>
-              <a:t>import</a:t>
-            </a:r>
-            <a:r>
-              <a:rPr lang="en-CA" sz="1000" dirty="0">
-                <a:solidFill>
-                  <a:srgbClr val="D4D4D4"/>
+              <a:t>numbers = [</a:t>
+            </a:r>
+            <a:r>
+              <a:rPr lang="en-CA" sz="1000" dirty="0">
+                <a:solidFill>
+                  <a:srgbClr val="CE9178"/>
                 </a:solidFill>
                 <a:latin typeface="Consolas" panose="020B0609020204030204" pitchFamily="49" charset="0"/>
                 <a:cs typeface="Times New Roman" panose="02020603050405020304" pitchFamily="18" charset="0"/>
               </a:rPr>
-              <a:t> requests</a:t>
+              <a:t>'1'</a:t>
+            </a:r>
+            <a:r>
+              <a:rPr lang="en-CA" sz="1000" dirty="0">
+                <a:solidFill>
+                  <a:srgbClr val="D4D4D4"/>
+                </a:solidFill>
+                <a:latin typeface="Consolas" panose="020B0609020204030204" pitchFamily="49" charset="0"/>
+                <a:cs typeface="Times New Roman" panose="02020603050405020304" pitchFamily="18" charset="0"/>
+              </a:rPr>
+              <a:t>,</a:t>
+            </a:r>
+            <a:r>
+              <a:rPr lang="en-CA" sz="1000" dirty="0">
+                <a:solidFill>
+                  <a:srgbClr val="CE9178"/>
+                </a:solidFill>
+                <a:latin typeface="Consolas" panose="020B0609020204030204" pitchFamily="49" charset="0"/>
+                <a:cs typeface="Times New Roman" panose="02020603050405020304" pitchFamily="18" charset="0"/>
+              </a:rPr>
+              <a:t>'2'</a:t>
+            </a:r>
+            <a:r>
+              <a:rPr lang="en-CA" sz="1000" dirty="0">
+                <a:solidFill>
+                  <a:srgbClr val="D4D4D4"/>
+                </a:solidFill>
+                <a:latin typeface="Consolas" panose="020B0609020204030204" pitchFamily="49" charset="0"/>
+                <a:cs typeface="Times New Roman" panose="02020603050405020304" pitchFamily="18" charset="0"/>
+              </a:rPr>
+              <a:t>,</a:t>
+            </a:r>
+            <a:r>
+              <a:rPr lang="en-CA" sz="1000" dirty="0">
+                <a:solidFill>
+                  <a:srgbClr val="CE9178"/>
+                </a:solidFill>
+                <a:latin typeface="Consolas" panose="020B0609020204030204" pitchFamily="49" charset="0"/>
+                <a:cs typeface="Times New Roman" panose="02020603050405020304" pitchFamily="18" charset="0"/>
+              </a:rPr>
+              <a:t>'3'</a:t>
+            </a:r>
+            <a:r>
+              <a:rPr lang="en-CA" sz="1000" dirty="0">
+                <a:solidFill>
+                  <a:srgbClr val="D4D4D4"/>
+                </a:solidFill>
+                <a:latin typeface="Consolas" panose="020B0609020204030204" pitchFamily="49" charset="0"/>
+                <a:cs typeface="Times New Roman" panose="02020603050405020304" pitchFamily="18" charset="0"/>
+              </a:rPr>
+              <a:t>,</a:t>
+            </a:r>
+            <a:r>
+              <a:rPr lang="en-CA" sz="1000" dirty="0">
+                <a:solidFill>
+                  <a:srgbClr val="CE9178"/>
+                </a:solidFill>
+                <a:latin typeface="Consolas" panose="020B0609020204030204" pitchFamily="49" charset="0"/>
+                <a:cs typeface="Times New Roman" panose="02020603050405020304" pitchFamily="18" charset="0"/>
+              </a:rPr>
+              <a:t>'4'</a:t>
+            </a:r>
+            <a:r>
+              <a:rPr lang="en-CA" sz="1000" dirty="0">
+                <a:solidFill>
+                  <a:srgbClr val="D4D4D4"/>
+                </a:solidFill>
+                <a:latin typeface="Consolas" panose="020B0609020204030204" pitchFamily="49" charset="0"/>
+                <a:cs typeface="Times New Roman" panose="02020603050405020304" pitchFamily="18" charset="0"/>
+              </a:rPr>
+              <a:t>,</a:t>
+            </a:r>
+            <a:r>
+              <a:rPr lang="en-CA" sz="1000" dirty="0">
+                <a:solidFill>
+                  <a:srgbClr val="CE9178"/>
+                </a:solidFill>
+                <a:latin typeface="Consolas" panose="020B0609020204030204" pitchFamily="49" charset="0"/>
+                <a:cs typeface="Times New Roman" panose="02020603050405020304" pitchFamily="18" charset="0"/>
+              </a:rPr>
+              <a:t>'5'</a:t>
+            </a:r>
+            <a:r>
+              <a:rPr lang="en-CA" sz="1000" dirty="0">
+                <a:solidFill>
+                  <a:srgbClr val="D4D4D4"/>
+                </a:solidFill>
+                <a:latin typeface="Consolas" panose="020B0609020204030204" pitchFamily="49" charset="0"/>
+                <a:cs typeface="Times New Roman" panose="02020603050405020304" pitchFamily="18" charset="0"/>
+              </a:rPr>
+              <a:t>,</a:t>
+            </a:r>
+            <a:r>
+              <a:rPr lang="en-CA" sz="1000" dirty="0">
+                <a:solidFill>
+                  <a:srgbClr val="CE9178"/>
+                </a:solidFill>
+                <a:latin typeface="Consolas" panose="020B0609020204030204" pitchFamily="49" charset="0"/>
+                <a:cs typeface="Times New Roman" panose="02020603050405020304" pitchFamily="18" charset="0"/>
+              </a:rPr>
+              <a:t>'6'</a:t>
+            </a:r>
+            <a:r>
+              <a:rPr lang="en-CA" sz="1000" dirty="0">
+                <a:solidFill>
+                  <a:srgbClr val="D4D4D4"/>
+                </a:solidFill>
+                <a:latin typeface="Consolas" panose="020B0609020204030204" pitchFamily="49" charset="0"/>
+                <a:cs typeface="Times New Roman" panose="02020603050405020304" pitchFamily="18" charset="0"/>
+              </a:rPr>
+              <a:t>,</a:t>
+            </a:r>
+            <a:r>
+              <a:rPr lang="en-CA" sz="1000" dirty="0">
+                <a:solidFill>
+                  <a:srgbClr val="CE9178"/>
+                </a:solidFill>
+                <a:latin typeface="Consolas" panose="020B0609020204030204" pitchFamily="49" charset="0"/>
+                <a:cs typeface="Times New Roman" panose="02020603050405020304" pitchFamily="18" charset="0"/>
+              </a:rPr>
+              <a:t>'7'</a:t>
+            </a:r>
+            <a:r>
+              <a:rPr lang="en-CA" sz="1000" dirty="0">
+                <a:solidFill>
+                  <a:srgbClr val="D4D4D4"/>
+                </a:solidFill>
+                <a:latin typeface="Consolas" panose="020B0609020204030204" pitchFamily="49" charset="0"/>
+                <a:cs typeface="Times New Roman" panose="02020603050405020304" pitchFamily="18" charset="0"/>
+              </a:rPr>
+              <a:t>,</a:t>
+            </a:r>
+            <a:r>
+              <a:rPr lang="en-CA" sz="1000" dirty="0">
+                <a:solidFill>
+                  <a:srgbClr val="CE9178"/>
+                </a:solidFill>
+                <a:latin typeface="Consolas" panose="020B0609020204030204" pitchFamily="49" charset="0"/>
+                <a:cs typeface="Times New Roman" panose="02020603050405020304" pitchFamily="18" charset="0"/>
+              </a:rPr>
+              <a:t>'8'</a:t>
+            </a:r>
+            <a:r>
+              <a:rPr lang="en-CA" sz="1000" dirty="0">
+                <a:solidFill>
+                  <a:srgbClr val="D4D4D4"/>
+                </a:solidFill>
+                <a:latin typeface="Consolas" panose="020B0609020204030204" pitchFamily="49" charset="0"/>
+                <a:cs typeface="Times New Roman" panose="02020603050405020304" pitchFamily="18" charset="0"/>
+              </a:rPr>
+              <a:t>,</a:t>
+            </a:r>
+            <a:r>
+              <a:rPr lang="en-CA" sz="1000" dirty="0">
+                <a:solidFill>
+                  <a:srgbClr val="CE9178"/>
+                </a:solidFill>
+                <a:latin typeface="Consolas" panose="020B0609020204030204" pitchFamily="49" charset="0"/>
+                <a:cs typeface="Times New Roman" panose="02020603050405020304" pitchFamily="18" charset="0"/>
+              </a:rPr>
+              <a:t>'9'</a:t>
+            </a:r>
+            <a:r>
+              <a:rPr lang="en-CA" sz="1000" dirty="0">
+                <a:solidFill>
+                  <a:srgbClr val="D4D4D4"/>
+                </a:solidFill>
+                <a:latin typeface="Consolas" panose="020B0609020204030204" pitchFamily="49" charset="0"/>
+                <a:cs typeface="Times New Roman" panose="02020603050405020304" pitchFamily="18" charset="0"/>
+              </a:rPr>
+              <a:t>,</a:t>
+            </a:r>
+            <a:r>
+              <a:rPr lang="en-CA" sz="1000" dirty="0">
+                <a:solidFill>
+                  <a:srgbClr val="CE9178"/>
+                </a:solidFill>
+                <a:latin typeface="Consolas" panose="020B0609020204030204" pitchFamily="49" charset="0"/>
+                <a:cs typeface="Times New Roman" panose="02020603050405020304" pitchFamily="18" charset="0"/>
+              </a:rPr>
+              <a:t>'10'</a:t>
+            </a:r>
+            <a:r>
+              <a:rPr lang="en-CA" sz="1000" dirty="0">
+                <a:solidFill>
+                  <a:srgbClr val="D4D4D4"/>
+                </a:solidFill>
+                <a:latin typeface="Consolas" panose="020B0609020204030204" pitchFamily="49" charset="0"/>
+                <a:cs typeface="Times New Roman" panose="02020603050405020304" pitchFamily="18" charset="0"/>
+              </a:rPr>
+              <a:t>,</a:t>
+            </a:r>
+            <a:r>
+              <a:rPr lang="en-CA" sz="1000" dirty="0">
+                <a:solidFill>
+                  <a:srgbClr val="CE9178"/>
+                </a:solidFill>
+                <a:latin typeface="Consolas" panose="020B0609020204030204" pitchFamily="49" charset="0"/>
+                <a:cs typeface="Times New Roman" panose="02020603050405020304" pitchFamily="18" charset="0"/>
+              </a:rPr>
+              <a:t>'11'</a:t>
+            </a:r>
+            <a:r>
+              <a:rPr lang="en-CA" sz="1000" dirty="0">
+                <a:solidFill>
+                  <a:srgbClr val="D4D4D4"/>
+                </a:solidFill>
+                <a:latin typeface="Consolas" panose="020B0609020204030204" pitchFamily="49" charset="0"/>
+                <a:cs typeface="Times New Roman" panose="02020603050405020304" pitchFamily="18" charset="0"/>
+              </a:rPr>
+              <a:t>,</a:t>
+            </a:r>
+            <a:r>
+              <a:rPr lang="en-CA" sz="1000" dirty="0">
+                <a:solidFill>
+                  <a:srgbClr val="CE9178"/>
+                </a:solidFill>
+                <a:latin typeface="Consolas" panose="020B0609020204030204" pitchFamily="49" charset="0"/>
+                <a:cs typeface="Times New Roman" panose="02020603050405020304" pitchFamily="18" charset="0"/>
+              </a:rPr>
+              <a:t>'12'</a:t>
+            </a:r>
+            <a:r>
+              <a:rPr lang="en-CA" sz="1000" dirty="0">
+                <a:solidFill>
+                  <a:srgbClr val="D4D4D4"/>
+                </a:solidFill>
+                <a:latin typeface="Consolas" panose="020B0609020204030204" pitchFamily="49" charset="0"/>
+                <a:cs typeface="Times New Roman" panose="02020603050405020304" pitchFamily="18" charset="0"/>
+              </a:rPr>
+              <a:t>]</a:t>
+            </a:r>
+          </a:p>
+          <a:p>
+            <a:r>
+              <a:rPr lang="en-CA" sz="1000" dirty="0">
+                <a:solidFill>
+                  <a:srgbClr val="D4D4D4"/>
+                </a:solidFill>
+                <a:latin typeface="Consolas" panose="020B0609020204030204" pitchFamily="49" charset="0"/>
+                <a:cs typeface="Times New Roman" panose="02020603050405020304" pitchFamily="18" charset="0"/>
+              </a:rPr>
+              <a:t>names = [</a:t>
+            </a:r>
+            <a:r>
+              <a:rPr lang="en-CA" sz="1000" dirty="0">
+                <a:solidFill>
+                  <a:srgbClr val="CE9178"/>
+                </a:solidFill>
+                <a:latin typeface="Consolas" panose="020B0609020204030204" pitchFamily="49" charset="0"/>
+                <a:cs typeface="Times New Roman" panose="02020603050405020304" pitchFamily="18" charset="0"/>
+              </a:rPr>
+              <a:t>'Jan.'</a:t>
+            </a:r>
+            <a:r>
+              <a:rPr lang="en-CA" sz="1000" dirty="0">
+                <a:solidFill>
+                  <a:srgbClr val="D4D4D4"/>
+                </a:solidFill>
+                <a:latin typeface="Consolas" panose="020B0609020204030204" pitchFamily="49" charset="0"/>
+                <a:cs typeface="Times New Roman" panose="02020603050405020304" pitchFamily="18" charset="0"/>
+              </a:rPr>
+              <a:t>,</a:t>
+            </a:r>
+            <a:r>
+              <a:rPr lang="en-CA" sz="1000" dirty="0">
+                <a:solidFill>
+                  <a:srgbClr val="CE9178"/>
+                </a:solidFill>
+                <a:latin typeface="Consolas" panose="020B0609020204030204" pitchFamily="49" charset="0"/>
+                <a:cs typeface="Times New Roman" panose="02020603050405020304" pitchFamily="18" charset="0"/>
+              </a:rPr>
+              <a:t>'Feb.'</a:t>
+            </a:r>
+            <a:r>
+              <a:rPr lang="en-CA" sz="1000" dirty="0">
+                <a:solidFill>
+                  <a:srgbClr val="D4D4D4"/>
+                </a:solidFill>
+                <a:latin typeface="Consolas" panose="020B0609020204030204" pitchFamily="49" charset="0"/>
+                <a:cs typeface="Times New Roman" panose="02020603050405020304" pitchFamily="18" charset="0"/>
+              </a:rPr>
+              <a:t>,</a:t>
+            </a:r>
+            <a:r>
+              <a:rPr lang="en-CA" sz="1000" dirty="0">
+                <a:solidFill>
+                  <a:srgbClr val="CE9178"/>
+                </a:solidFill>
+                <a:latin typeface="Consolas" panose="020B0609020204030204" pitchFamily="49" charset="0"/>
+                <a:cs typeface="Times New Roman" panose="02020603050405020304" pitchFamily="18" charset="0"/>
+              </a:rPr>
+              <a:t>'March'</a:t>
+            </a:r>
+            <a:r>
+              <a:rPr lang="en-CA" sz="1000" dirty="0">
+                <a:solidFill>
+                  <a:srgbClr val="D4D4D4"/>
+                </a:solidFill>
+                <a:latin typeface="Consolas" panose="020B0609020204030204" pitchFamily="49" charset="0"/>
+                <a:cs typeface="Times New Roman" panose="02020603050405020304" pitchFamily="18" charset="0"/>
+              </a:rPr>
+              <a:t>,</a:t>
+            </a:r>
+            <a:r>
+              <a:rPr lang="en-CA" sz="1000" dirty="0">
+                <a:solidFill>
+                  <a:srgbClr val="CE9178"/>
+                </a:solidFill>
+                <a:latin typeface="Consolas" panose="020B0609020204030204" pitchFamily="49" charset="0"/>
+                <a:cs typeface="Times New Roman" panose="02020603050405020304" pitchFamily="18" charset="0"/>
+              </a:rPr>
+              <a:t>'April'</a:t>
+            </a:r>
+            <a:r>
+              <a:rPr lang="en-CA" sz="1000" dirty="0">
+                <a:solidFill>
+                  <a:srgbClr val="D4D4D4"/>
+                </a:solidFill>
+                <a:latin typeface="Consolas" panose="020B0609020204030204" pitchFamily="49" charset="0"/>
+                <a:cs typeface="Times New Roman" panose="02020603050405020304" pitchFamily="18" charset="0"/>
+              </a:rPr>
+              <a:t>,</a:t>
+            </a:r>
+            <a:r>
+              <a:rPr lang="en-CA" sz="1000" dirty="0">
+                <a:solidFill>
+                  <a:srgbClr val="CE9178"/>
+                </a:solidFill>
+                <a:latin typeface="Consolas" panose="020B0609020204030204" pitchFamily="49" charset="0"/>
+                <a:cs typeface="Times New Roman" panose="02020603050405020304" pitchFamily="18" charset="0"/>
+              </a:rPr>
+              <a:t>'May'</a:t>
+            </a:r>
+            <a:r>
+              <a:rPr lang="en-CA" sz="1000" dirty="0">
+                <a:solidFill>
+                  <a:srgbClr val="D4D4D4"/>
+                </a:solidFill>
+                <a:latin typeface="Consolas" panose="020B0609020204030204" pitchFamily="49" charset="0"/>
+                <a:cs typeface="Times New Roman" panose="02020603050405020304" pitchFamily="18" charset="0"/>
+              </a:rPr>
+              <a:t>,</a:t>
+            </a:r>
+            <a:r>
+              <a:rPr lang="en-CA" sz="1000" dirty="0">
+                <a:solidFill>
+                  <a:srgbClr val="CE9178"/>
+                </a:solidFill>
+                <a:latin typeface="Consolas" panose="020B0609020204030204" pitchFamily="49" charset="0"/>
+                <a:cs typeface="Times New Roman" panose="02020603050405020304" pitchFamily="18" charset="0"/>
+              </a:rPr>
+              <a:t>'June'</a:t>
+            </a:r>
+            <a:r>
+              <a:rPr lang="en-CA" sz="1000" dirty="0">
+                <a:solidFill>
+                  <a:srgbClr val="D4D4D4"/>
+                </a:solidFill>
+                <a:latin typeface="Consolas" panose="020B0609020204030204" pitchFamily="49" charset="0"/>
+                <a:cs typeface="Times New Roman" panose="02020603050405020304" pitchFamily="18" charset="0"/>
+              </a:rPr>
+              <a:t>,</a:t>
+            </a:r>
+            <a:r>
+              <a:rPr lang="en-CA" sz="1000" dirty="0">
+                <a:solidFill>
+                  <a:srgbClr val="CE9178"/>
+                </a:solidFill>
+                <a:latin typeface="Consolas" panose="020B0609020204030204" pitchFamily="49" charset="0"/>
+                <a:cs typeface="Times New Roman" panose="02020603050405020304" pitchFamily="18" charset="0"/>
+              </a:rPr>
+              <a:t>'July'</a:t>
+            </a:r>
+            <a:r>
+              <a:rPr lang="en-CA" sz="1000" dirty="0">
+                <a:solidFill>
+                  <a:srgbClr val="D4D4D4"/>
+                </a:solidFill>
+                <a:latin typeface="Consolas" panose="020B0609020204030204" pitchFamily="49" charset="0"/>
+                <a:cs typeface="Times New Roman" panose="02020603050405020304" pitchFamily="18" charset="0"/>
+              </a:rPr>
+              <a:t>,</a:t>
+            </a:r>
+            <a:r>
+              <a:rPr lang="en-CA" sz="1000" dirty="0">
+                <a:solidFill>
+                  <a:srgbClr val="CE9178"/>
+                </a:solidFill>
+                <a:latin typeface="Consolas" panose="020B0609020204030204" pitchFamily="49" charset="0"/>
+                <a:cs typeface="Times New Roman" panose="02020603050405020304" pitchFamily="18" charset="0"/>
+              </a:rPr>
+              <a:t>'Aug.'</a:t>
+            </a:r>
+            <a:r>
+              <a:rPr lang="en-CA" sz="1000" dirty="0">
+                <a:solidFill>
+                  <a:srgbClr val="D4D4D4"/>
+                </a:solidFill>
+                <a:latin typeface="Consolas" panose="020B0609020204030204" pitchFamily="49" charset="0"/>
+                <a:cs typeface="Times New Roman" panose="02020603050405020304" pitchFamily="18" charset="0"/>
+              </a:rPr>
+              <a:t>,</a:t>
+            </a:r>
+            <a:r>
+              <a:rPr lang="en-CA" sz="1000" dirty="0">
+                <a:solidFill>
+                  <a:srgbClr val="CE9178"/>
+                </a:solidFill>
+                <a:latin typeface="Consolas" panose="020B0609020204030204" pitchFamily="49" charset="0"/>
+                <a:cs typeface="Times New Roman" panose="02020603050405020304" pitchFamily="18" charset="0"/>
+              </a:rPr>
+              <a:t>'Sept.'</a:t>
+            </a:r>
+            <a:r>
+              <a:rPr lang="en-CA" sz="1000" dirty="0">
+                <a:solidFill>
+                  <a:srgbClr val="D4D4D4"/>
+                </a:solidFill>
+                <a:latin typeface="Consolas" panose="020B0609020204030204" pitchFamily="49" charset="0"/>
+                <a:cs typeface="Times New Roman" panose="02020603050405020304" pitchFamily="18" charset="0"/>
+              </a:rPr>
+              <a:t>,</a:t>
+            </a:r>
+            <a:r>
+              <a:rPr lang="en-CA" sz="1000" dirty="0">
+                <a:solidFill>
+                  <a:srgbClr val="CE9178"/>
+                </a:solidFill>
+                <a:latin typeface="Consolas" panose="020B0609020204030204" pitchFamily="49" charset="0"/>
+                <a:cs typeface="Times New Roman" panose="02020603050405020304" pitchFamily="18" charset="0"/>
+              </a:rPr>
+              <a:t>'Oct.'</a:t>
+            </a:r>
+            <a:r>
+              <a:rPr lang="en-CA" sz="1000" dirty="0">
+                <a:solidFill>
+                  <a:srgbClr val="D4D4D4"/>
+                </a:solidFill>
+                <a:latin typeface="Consolas" panose="020B0609020204030204" pitchFamily="49" charset="0"/>
+                <a:cs typeface="Times New Roman" panose="02020603050405020304" pitchFamily="18" charset="0"/>
+              </a:rPr>
+              <a:t>,</a:t>
+            </a:r>
+            <a:r>
+              <a:rPr lang="en-CA" sz="1000" dirty="0">
+                <a:solidFill>
+                  <a:srgbClr val="CE9178"/>
+                </a:solidFill>
+                <a:latin typeface="Consolas" panose="020B0609020204030204" pitchFamily="49" charset="0"/>
+                <a:cs typeface="Times New Roman" panose="02020603050405020304" pitchFamily="18" charset="0"/>
+              </a:rPr>
+              <a:t>'Nov.'</a:t>
+            </a:r>
+            <a:r>
+              <a:rPr lang="en-CA" sz="1000" dirty="0">
+                <a:solidFill>
+                  <a:srgbClr val="D4D4D4"/>
+                </a:solidFill>
+                <a:latin typeface="Consolas" panose="020B0609020204030204" pitchFamily="49" charset="0"/>
+                <a:cs typeface="Times New Roman" panose="02020603050405020304" pitchFamily="18" charset="0"/>
+              </a:rPr>
+              <a:t>,</a:t>
+            </a:r>
+            <a:r>
+              <a:rPr lang="en-CA" sz="1000" dirty="0">
+                <a:solidFill>
+                  <a:srgbClr val="CE9178"/>
+                </a:solidFill>
+                <a:latin typeface="Consolas" panose="020B0609020204030204" pitchFamily="49" charset="0"/>
+                <a:cs typeface="Times New Roman" panose="02020603050405020304" pitchFamily="18" charset="0"/>
+              </a:rPr>
+              <a:t>'Dec.'</a:t>
+            </a:r>
+            <a:r>
+              <a:rPr lang="en-CA" sz="1000" dirty="0">
+                <a:solidFill>
+                  <a:srgbClr val="D4D4D4"/>
+                </a:solidFill>
+                <a:latin typeface="Consolas" panose="020B0609020204030204" pitchFamily="49" charset="0"/>
+                <a:cs typeface="Times New Roman" panose="02020603050405020304" pitchFamily="18" charset="0"/>
+              </a:rPr>
+              <a:t>]</a:t>
+            </a:r>
+          </a:p>
+          <a:p>
+            <a:br>
+              <a:rPr lang="en-CA" sz="1000" dirty="0">
+                <a:solidFill>
+                  <a:srgbClr val="D4D4D4"/>
+                </a:solidFill>
+                <a:latin typeface="Consolas" panose="020B0609020204030204" pitchFamily="49" charset="0"/>
+                <a:cs typeface="Times New Roman" panose="02020603050405020304" pitchFamily="18" charset="0"/>
+              </a:rPr>
+            </a:br>
+            <a:r>
+              <a:rPr lang="en-CA" sz="1000" dirty="0" err="1">
+                <a:solidFill>
+                  <a:srgbClr val="D4D4D4"/>
+                </a:solidFill>
+                <a:latin typeface="Consolas" panose="020B0609020204030204" pitchFamily="49" charset="0"/>
+                <a:cs typeface="Times New Roman" panose="02020603050405020304" pitchFamily="18" charset="0"/>
+              </a:rPr>
+              <a:t>month_dict</a:t>
+            </a:r>
+            <a:r>
+              <a:rPr lang="en-CA" sz="1000" dirty="0">
+                <a:solidFill>
+                  <a:srgbClr val="D4D4D4"/>
+                </a:solidFill>
+                <a:latin typeface="Consolas" panose="020B0609020204030204" pitchFamily="49" charset="0"/>
+                <a:cs typeface="Times New Roman" panose="02020603050405020304" pitchFamily="18" charset="0"/>
+              </a:rPr>
+              <a:t> = </a:t>
+            </a:r>
+            <a:r>
+              <a:rPr lang="en-CA" sz="1000" dirty="0" err="1">
+                <a:solidFill>
+                  <a:srgbClr val="4EC9B0"/>
+                </a:solidFill>
+                <a:latin typeface="Consolas" panose="020B0609020204030204" pitchFamily="49" charset="0"/>
+                <a:cs typeface="Times New Roman" panose="02020603050405020304" pitchFamily="18" charset="0"/>
+              </a:rPr>
+              <a:t>dict</a:t>
+            </a:r>
+            <a:r>
+              <a:rPr lang="en-CA" sz="1000" dirty="0">
+                <a:solidFill>
+                  <a:srgbClr val="D4D4D4"/>
+                </a:solidFill>
+                <a:latin typeface="Consolas" panose="020B0609020204030204" pitchFamily="49" charset="0"/>
+                <a:cs typeface="Times New Roman" panose="02020603050405020304" pitchFamily="18" charset="0"/>
+              </a:rPr>
+              <a:t>(</a:t>
+            </a:r>
+            <a:r>
+              <a:rPr lang="en-CA" sz="1000" dirty="0">
+                <a:solidFill>
+                  <a:srgbClr val="DCDCAA"/>
+                </a:solidFill>
+                <a:latin typeface="Consolas" panose="020B0609020204030204" pitchFamily="49" charset="0"/>
+                <a:cs typeface="Times New Roman" panose="02020603050405020304" pitchFamily="18" charset="0"/>
+              </a:rPr>
+              <a:t>zip</a:t>
+            </a:r>
+            <a:r>
+              <a:rPr lang="en-CA" sz="1000" dirty="0">
+                <a:solidFill>
+                  <a:srgbClr val="D4D4D4"/>
+                </a:solidFill>
+                <a:latin typeface="Consolas" panose="020B0609020204030204" pitchFamily="49" charset="0"/>
+                <a:cs typeface="Times New Roman" panose="02020603050405020304" pitchFamily="18" charset="0"/>
+              </a:rPr>
+              <a:t>(</a:t>
+            </a:r>
+            <a:r>
+              <a:rPr lang="en-CA" sz="1000" dirty="0" err="1">
+                <a:solidFill>
+                  <a:srgbClr val="D4D4D4"/>
+                </a:solidFill>
+                <a:latin typeface="Consolas" panose="020B0609020204030204" pitchFamily="49" charset="0"/>
+                <a:cs typeface="Times New Roman" panose="02020603050405020304" pitchFamily="18" charset="0"/>
+              </a:rPr>
+              <a:t>names,numbers</a:t>
+            </a:r>
+            <a:r>
+              <a:rPr lang="en-CA" sz="1000" dirty="0">
+                <a:solidFill>
+                  <a:srgbClr val="D4D4D4"/>
+                </a:solidFill>
+                <a:latin typeface="Consolas" panose="020B0609020204030204" pitchFamily="49" charset="0"/>
+                <a:cs typeface="Times New Roman" panose="02020603050405020304" pitchFamily="18" charset="0"/>
+              </a:rPr>
+              <a:t>))</a:t>
             </a:r>
           </a:p>
           <a:p>
@@ -18264,933 +18984,6 @@
                 <a:cs typeface="Times New Roman" panose="02020603050405020304" pitchFamily="18" charset="0"/>
               </a:rPr>
             </a:br>
-            <a:r>
-              <a:rPr lang="en-CA" sz="1000" dirty="0">
-                <a:solidFill>
-                  <a:srgbClr val="6A9955"/>
-                </a:solidFill>
-                <a:latin typeface="Consolas" panose="020B0609020204030204" pitchFamily="49" charset="0"/>
-                <a:cs typeface="Times New Roman" panose="02020603050405020304" pitchFamily="18" charset="0"/>
-              </a:rPr>
-              <a:t># %%</a:t>
-            </a:r>
-            <a:endParaRPr lang="en-CA" sz="1000" dirty="0">
-              <a:solidFill>
-                <a:srgbClr val="D4D4D4"/>
-              </a:solidFill>
-              <a:latin typeface="Consolas" panose="020B0609020204030204" pitchFamily="49" charset="0"/>
-              <a:cs typeface="Times New Roman" panose="02020603050405020304" pitchFamily="18" charset="0"/>
-            </a:endParaRPr>
-          </a:p>
-          <a:p>
-            <a:r>
-              <a:rPr lang="en-CA" sz="1000" dirty="0">
-                <a:solidFill>
-                  <a:srgbClr val="6A9955"/>
-                </a:solidFill>
-                <a:latin typeface="Consolas" panose="020B0609020204030204" pitchFamily="49" charset="0"/>
-                <a:cs typeface="Times New Roman" panose="02020603050405020304" pitchFamily="18" charset="0"/>
-              </a:rPr>
-              <a:t># Request to news site</a:t>
-            </a:r>
-            <a:endParaRPr lang="en-CA" sz="1000" dirty="0">
-              <a:solidFill>
-                <a:srgbClr val="D4D4D4"/>
-              </a:solidFill>
-              <a:latin typeface="Consolas" panose="020B0609020204030204" pitchFamily="49" charset="0"/>
-              <a:cs typeface="Times New Roman" panose="02020603050405020304" pitchFamily="18" charset="0"/>
-            </a:endParaRPr>
-          </a:p>
-          <a:p>
-            <a:r>
-              <a:rPr lang="en-CA" sz="1000" dirty="0" err="1">
-                <a:solidFill>
-                  <a:srgbClr val="D4D4D4"/>
-                </a:solidFill>
-                <a:latin typeface="Consolas" panose="020B0609020204030204" pitchFamily="49" charset="0"/>
-                <a:cs typeface="Times New Roman" panose="02020603050405020304" pitchFamily="18" charset="0"/>
-              </a:rPr>
-              <a:t>url</a:t>
-            </a:r>
-            <a:r>
-              <a:rPr lang="en-CA" sz="1000" dirty="0">
-                <a:solidFill>
-                  <a:srgbClr val="D4D4D4"/>
-                </a:solidFill>
-                <a:latin typeface="Consolas" panose="020B0609020204030204" pitchFamily="49" charset="0"/>
-                <a:cs typeface="Times New Roman" panose="02020603050405020304" pitchFamily="18" charset="0"/>
-              </a:rPr>
-              <a:t>=</a:t>
-            </a:r>
-            <a:r>
-              <a:rPr lang="en-CA" sz="1000" dirty="0">
-                <a:solidFill>
-                  <a:srgbClr val="CE9178"/>
-                </a:solidFill>
-                <a:latin typeface="Consolas" panose="020B0609020204030204" pitchFamily="49" charset="0"/>
-                <a:cs typeface="Times New Roman" panose="02020603050405020304" pitchFamily="18" charset="0"/>
-              </a:rPr>
-              <a:t>'https://globalnews.ca/news/6859636/</a:t>
-            </a:r>
-            <a:r>
-              <a:rPr lang="en-CA" sz="1000" dirty="0" err="1">
-                <a:solidFill>
-                  <a:srgbClr val="CE9178"/>
-                </a:solidFill>
-                <a:latin typeface="Consolas" panose="020B0609020204030204" pitchFamily="49" charset="0"/>
-                <a:cs typeface="Times New Roman" panose="02020603050405020304" pitchFamily="18" charset="0"/>
-              </a:rPr>
-              <a:t>ontario</a:t>
-            </a:r>
-            <a:r>
-              <a:rPr lang="en-CA" sz="1000" dirty="0">
-                <a:solidFill>
-                  <a:srgbClr val="CE9178"/>
-                </a:solidFill>
-                <a:latin typeface="Consolas" panose="020B0609020204030204" pitchFamily="49" charset="0"/>
-                <a:cs typeface="Times New Roman" panose="02020603050405020304" pitchFamily="18" charset="0"/>
-              </a:rPr>
-              <a:t>-coronavirus-timeline/'</a:t>
-            </a:r>
-            <a:endParaRPr lang="en-CA" sz="1000" dirty="0">
-              <a:solidFill>
-                <a:srgbClr val="D4D4D4"/>
-              </a:solidFill>
-              <a:latin typeface="Consolas" panose="020B0609020204030204" pitchFamily="49" charset="0"/>
-              <a:cs typeface="Times New Roman" panose="02020603050405020304" pitchFamily="18" charset="0"/>
-            </a:endParaRPr>
-          </a:p>
-          <a:p>
-            <a:r>
-              <a:rPr lang="en-CA" sz="1000" dirty="0">
-                <a:solidFill>
-                  <a:srgbClr val="D4D4D4"/>
-                </a:solidFill>
-                <a:latin typeface="Consolas" panose="020B0609020204030204" pitchFamily="49" charset="0"/>
-                <a:cs typeface="Times New Roman" panose="02020603050405020304" pitchFamily="18" charset="0"/>
-              </a:rPr>
-              <a:t>response = </a:t>
-            </a:r>
-            <a:r>
-              <a:rPr lang="en-CA" sz="1000" dirty="0" err="1">
-                <a:solidFill>
-                  <a:srgbClr val="D4D4D4"/>
-                </a:solidFill>
-                <a:latin typeface="Consolas" panose="020B0609020204030204" pitchFamily="49" charset="0"/>
-                <a:cs typeface="Times New Roman" panose="02020603050405020304" pitchFamily="18" charset="0"/>
-              </a:rPr>
-              <a:t>requests.get</a:t>
-            </a:r>
-            <a:r>
-              <a:rPr lang="en-CA" sz="1000" dirty="0">
-                <a:solidFill>
-                  <a:srgbClr val="D4D4D4"/>
-                </a:solidFill>
-                <a:latin typeface="Consolas" panose="020B0609020204030204" pitchFamily="49" charset="0"/>
-                <a:cs typeface="Times New Roman" panose="02020603050405020304" pitchFamily="18" charset="0"/>
-              </a:rPr>
-              <a:t>(</a:t>
-            </a:r>
-            <a:r>
-              <a:rPr lang="en-CA" sz="1000" dirty="0" err="1">
-                <a:solidFill>
-                  <a:srgbClr val="D4D4D4"/>
-                </a:solidFill>
-                <a:latin typeface="Consolas" panose="020B0609020204030204" pitchFamily="49" charset="0"/>
-                <a:cs typeface="Times New Roman" panose="02020603050405020304" pitchFamily="18" charset="0"/>
-              </a:rPr>
-              <a:t>url</a:t>
-            </a:r>
-            <a:r>
-              <a:rPr lang="en-CA" sz="1000" dirty="0">
-                <a:solidFill>
-                  <a:srgbClr val="D4D4D4"/>
-                </a:solidFill>
-                <a:latin typeface="Consolas" panose="020B0609020204030204" pitchFamily="49" charset="0"/>
-                <a:cs typeface="Times New Roman" panose="02020603050405020304" pitchFamily="18" charset="0"/>
-              </a:rPr>
-              <a:t>)</a:t>
-            </a:r>
-          </a:p>
-          <a:p>
-            <a:br>
-              <a:rPr lang="en-CA" sz="1000" dirty="0">
-                <a:solidFill>
-                  <a:srgbClr val="D4D4D4"/>
-                </a:solidFill>
-                <a:latin typeface="Consolas" panose="020B0609020204030204" pitchFamily="49" charset="0"/>
-                <a:cs typeface="Times New Roman" panose="02020603050405020304" pitchFamily="18" charset="0"/>
-              </a:rPr>
-            </a:br>
-            <a:br>
-              <a:rPr lang="en-CA" sz="1000" dirty="0">
-                <a:solidFill>
-                  <a:srgbClr val="D4D4D4"/>
-                </a:solidFill>
-                <a:latin typeface="Consolas" panose="020B0609020204030204" pitchFamily="49" charset="0"/>
-                <a:cs typeface="Times New Roman" panose="02020603050405020304" pitchFamily="18" charset="0"/>
-              </a:rPr>
-            </a:br>
-            <a:r>
-              <a:rPr lang="en-CA" sz="1000" dirty="0">
-                <a:solidFill>
-                  <a:srgbClr val="6A9955"/>
-                </a:solidFill>
-                <a:latin typeface="Consolas" panose="020B0609020204030204" pitchFamily="49" charset="0"/>
-                <a:cs typeface="Times New Roman" panose="02020603050405020304" pitchFamily="18" charset="0"/>
-              </a:rPr>
-              <a:t># %%</a:t>
-            </a:r>
-            <a:endParaRPr lang="en-CA" sz="1000" dirty="0">
-              <a:solidFill>
-                <a:srgbClr val="D4D4D4"/>
-              </a:solidFill>
-              <a:latin typeface="Consolas" panose="020B0609020204030204" pitchFamily="49" charset="0"/>
-              <a:cs typeface="Times New Roman" panose="02020603050405020304" pitchFamily="18" charset="0"/>
-            </a:endParaRPr>
-          </a:p>
-          <a:p>
-            <a:r>
-              <a:rPr lang="en-CA" sz="1000" dirty="0">
-                <a:solidFill>
-                  <a:srgbClr val="6A9955"/>
-                </a:solidFill>
-                <a:latin typeface="Consolas" panose="020B0609020204030204" pitchFamily="49" charset="0"/>
-                <a:cs typeface="Times New Roman" panose="02020603050405020304" pitchFamily="18" charset="0"/>
-              </a:rPr>
-              <a:t># Dictionary to convert date-time</a:t>
-            </a:r>
-            <a:endParaRPr lang="en-CA" sz="1000" dirty="0">
-              <a:solidFill>
-                <a:srgbClr val="D4D4D4"/>
-              </a:solidFill>
-              <a:latin typeface="Consolas" panose="020B0609020204030204" pitchFamily="49" charset="0"/>
-              <a:cs typeface="Times New Roman" panose="02020603050405020304" pitchFamily="18" charset="0"/>
-            </a:endParaRPr>
-          </a:p>
-          <a:p>
-            <a:r>
-              <a:rPr lang="en-CA" sz="1000" dirty="0">
-                <a:solidFill>
-                  <a:srgbClr val="D4D4D4"/>
-                </a:solidFill>
-                <a:latin typeface="Consolas" panose="020B0609020204030204" pitchFamily="49" charset="0"/>
-                <a:cs typeface="Times New Roman" panose="02020603050405020304" pitchFamily="18" charset="0"/>
-              </a:rPr>
-              <a:t>numbers = [</a:t>
-            </a:r>
-            <a:r>
-              <a:rPr lang="en-CA" sz="1000" dirty="0">
-                <a:solidFill>
-                  <a:srgbClr val="CE9178"/>
-                </a:solidFill>
-                <a:latin typeface="Consolas" panose="020B0609020204030204" pitchFamily="49" charset="0"/>
-                <a:cs typeface="Times New Roman" panose="02020603050405020304" pitchFamily="18" charset="0"/>
-              </a:rPr>
-              <a:t>'1'</a:t>
-            </a:r>
-            <a:r>
-              <a:rPr lang="en-CA" sz="1000" dirty="0">
-                <a:solidFill>
-                  <a:srgbClr val="D4D4D4"/>
-                </a:solidFill>
-                <a:latin typeface="Consolas" panose="020B0609020204030204" pitchFamily="49" charset="0"/>
-                <a:cs typeface="Times New Roman" panose="02020603050405020304" pitchFamily="18" charset="0"/>
-              </a:rPr>
-              <a:t>,</a:t>
-            </a:r>
-            <a:r>
-              <a:rPr lang="en-CA" sz="1000" dirty="0">
-                <a:solidFill>
-                  <a:srgbClr val="CE9178"/>
-                </a:solidFill>
-                <a:latin typeface="Consolas" panose="020B0609020204030204" pitchFamily="49" charset="0"/>
-                <a:cs typeface="Times New Roman" panose="02020603050405020304" pitchFamily="18" charset="0"/>
-              </a:rPr>
-              <a:t>'2'</a:t>
-            </a:r>
-            <a:r>
-              <a:rPr lang="en-CA" sz="1000" dirty="0">
-                <a:solidFill>
-                  <a:srgbClr val="D4D4D4"/>
-                </a:solidFill>
-                <a:latin typeface="Consolas" panose="020B0609020204030204" pitchFamily="49" charset="0"/>
-                <a:cs typeface="Times New Roman" panose="02020603050405020304" pitchFamily="18" charset="0"/>
-              </a:rPr>
-              <a:t>,</a:t>
-            </a:r>
-            <a:r>
-              <a:rPr lang="en-CA" sz="1000" dirty="0">
-                <a:solidFill>
-                  <a:srgbClr val="CE9178"/>
-                </a:solidFill>
-                <a:latin typeface="Consolas" panose="020B0609020204030204" pitchFamily="49" charset="0"/>
-                <a:cs typeface="Times New Roman" panose="02020603050405020304" pitchFamily="18" charset="0"/>
-              </a:rPr>
-              <a:t>'3'</a:t>
-            </a:r>
-            <a:r>
-              <a:rPr lang="en-CA" sz="1000" dirty="0">
-                <a:solidFill>
-                  <a:srgbClr val="D4D4D4"/>
-                </a:solidFill>
-                <a:latin typeface="Consolas" panose="020B0609020204030204" pitchFamily="49" charset="0"/>
-                <a:cs typeface="Times New Roman" panose="02020603050405020304" pitchFamily="18" charset="0"/>
-              </a:rPr>
-              <a:t>,</a:t>
-            </a:r>
-            <a:r>
-              <a:rPr lang="en-CA" sz="1000" dirty="0">
-                <a:solidFill>
-                  <a:srgbClr val="CE9178"/>
-                </a:solidFill>
-                <a:latin typeface="Consolas" panose="020B0609020204030204" pitchFamily="49" charset="0"/>
-                <a:cs typeface="Times New Roman" panose="02020603050405020304" pitchFamily="18" charset="0"/>
-              </a:rPr>
-              <a:t>'4'</a:t>
-            </a:r>
-            <a:r>
-              <a:rPr lang="en-CA" sz="1000" dirty="0">
-                <a:solidFill>
-                  <a:srgbClr val="D4D4D4"/>
-                </a:solidFill>
-                <a:latin typeface="Consolas" panose="020B0609020204030204" pitchFamily="49" charset="0"/>
-                <a:cs typeface="Times New Roman" panose="02020603050405020304" pitchFamily="18" charset="0"/>
-              </a:rPr>
-              <a:t>,</a:t>
-            </a:r>
-            <a:r>
-              <a:rPr lang="en-CA" sz="1000" dirty="0">
-                <a:solidFill>
-                  <a:srgbClr val="CE9178"/>
-                </a:solidFill>
-                <a:latin typeface="Consolas" panose="020B0609020204030204" pitchFamily="49" charset="0"/>
-                <a:cs typeface="Times New Roman" panose="02020603050405020304" pitchFamily="18" charset="0"/>
-              </a:rPr>
-              <a:t>'5'</a:t>
-            </a:r>
-            <a:r>
-              <a:rPr lang="en-CA" sz="1000" dirty="0">
-                <a:solidFill>
-                  <a:srgbClr val="D4D4D4"/>
-                </a:solidFill>
-                <a:latin typeface="Consolas" panose="020B0609020204030204" pitchFamily="49" charset="0"/>
-                <a:cs typeface="Times New Roman" panose="02020603050405020304" pitchFamily="18" charset="0"/>
-              </a:rPr>
-              <a:t>,</a:t>
-            </a:r>
-            <a:r>
-              <a:rPr lang="en-CA" sz="1000" dirty="0">
-                <a:solidFill>
-                  <a:srgbClr val="CE9178"/>
-                </a:solidFill>
-                <a:latin typeface="Consolas" panose="020B0609020204030204" pitchFamily="49" charset="0"/>
-                <a:cs typeface="Times New Roman" panose="02020603050405020304" pitchFamily="18" charset="0"/>
-              </a:rPr>
-              <a:t>'6'</a:t>
-            </a:r>
-            <a:r>
-              <a:rPr lang="en-CA" sz="1000" dirty="0">
-                <a:solidFill>
-                  <a:srgbClr val="D4D4D4"/>
-                </a:solidFill>
-                <a:latin typeface="Consolas" panose="020B0609020204030204" pitchFamily="49" charset="0"/>
-                <a:cs typeface="Times New Roman" panose="02020603050405020304" pitchFamily="18" charset="0"/>
-              </a:rPr>
-              <a:t>,</a:t>
-            </a:r>
-            <a:r>
-              <a:rPr lang="en-CA" sz="1000" dirty="0">
-                <a:solidFill>
-                  <a:srgbClr val="CE9178"/>
-                </a:solidFill>
-                <a:latin typeface="Consolas" panose="020B0609020204030204" pitchFamily="49" charset="0"/>
-                <a:cs typeface="Times New Roman" panose="02020603050405020304" pitchFamily="18" charset="0"/>
-              </a:rPr>
-              <a:t>'7'</a:t>
-            </a:r>
-            <a:r>
-              <a:rPr lang="en-CA" sz="1000" dirty="0">
-                <a:solidFill>
-                  <a:srgbClr val="D4D4D4"/>
-                </a:solidFill>
-                <a:latin typeface="Consolas" panose="020B0609020204030204" pitchFamily="49" charset="0"/>
-                <a:cs typeface="Times New Roman" panose="02020603050405020304" pitchFamily="18" charset="0"/>
-              </a:rPr>
-              <a:t>,</a:t>
-            </a:r>
-            <a:r>
-              <a:rPr lang="en-CA" sz="1000" dirty="0">
-                <a:solidFill>
-                  <a:srgbClr val="CE9178"/>
-                </a:solidFill>
-                <a:latin typeface="Consolas" panose="020B0609020204030204" pitchFamily="49" charset="0"/>
-                <a:cs typeface="Times New Roman" panose="02020603050405020304" pitchFamily="18" charset="0"/>
-              </a:rPr>
-              <a:t>'8'</a:t>
-            </a:r>
-            <a:r>
-              <a:rPr lang="en-CA" sz="1000" dirty="0">
-                <a:solidFill>
-                  <a:srgbClr val="D4D4D4"/>
-                </a:solidFill>
-                <a:latin typeface="Consolas" panose="020B0609020204030204" pitchFamily="49" charset="0"/>
-                <a:cs typeface="Times New Roman" panose="02020603050405020304" pitchFamily="18" charset="0"/>
-              </a:rPr>
-              <a:t>,</a:t>
-            </a:r>
-            <a:r>
-              <a:rPr lang="en-CA" sz="1000" dirty="0">
-                <a:solidFill>
-                  <a:srgbClr val="CE9178"/>
-                </a:solidFill>
-                <a:latin typeface="Consolas" panose="020B0609020204030204" pitchFamily="49" charset="0"/>
-                <a:cs typeface="Times New Roman" panose="02020603050405020304" pitchFamily="18" charset="0"/>
-              </a:rPr>
-              <a:t>'9'</a:t>
-            </a:r>
-            <a:r>
-              <a:rPr lang="en-CA" sz="1000" dirty="0">
-                <a:solidFill>
-                  <a:srgbClr val="D4D4D4"/>
-                </a:solidFill>
-                <a:latin typeface="Consolas" panose="020B0609020204030204" pitchFamily="49" charset="0"/>
-                <a:cs typeface="Times New Roman" panose="02020603050405020304" pitchFamily="18" charset="0"/>
-              </a:rPr>
-              <a:t>,</a:t>
-            </a:r>
-            <a:r>
-              <a:rPr lang="en-CA" sz="1000" dirty="0">
-                <a:solidFill>
-                  <a:srgbClr val="CE9178"/>
-                </a:solidFill>
-                <a:latin typeface="Consolas" panose="020B0609020204030204" pitchFamily="49" charset="0"/>
-                <a:cs typeface="Times New Roman" panose="02020603050405020304" pitchFamily="18" charset="0"/>
-              </a:rPr>
-              <a:t>'10'</a:t>
-            </a:r>
-            <a:r>
-              <a:rPr lang="en-CA" sz="1000" dirty="0">
-                <a:solidFill>
-                  <a:srgbClr val="D4D4D4"/>
-                </a:solidFill>
-                <a:latin typeface="Consolas" panose="020B0609020204030204" pitchFamily="49" charset="0"/>
-                <a:cs typeface="Times New Roman" panose="02020603050405020304" pitchFamily="18" charset="0"/>
-              </a:rPr>
-              <a:t>,</a:t>
-            </a:r>
-            <a:r>
-              <a:rPr lang="en-CA" sz="1000" dirty="0">
-                <a:solidFill>
-                  <a:srgbClr val="CE9178"/>
-                </a:solidFill>
-                <a:latin typeface="Consolas" panose="020B0609020204030204" pitchFamily="49" charset="0"/>
-                <a:cs typeface="Times New Roman" panose="02020603050405020304" pitchFamily="18" charset="0"/>
-              </a:rPr>
-              <a:t>'11'</a:t>
-            </a:r>
-            <a:r>
-              <a:rPr lang="en-CA" sz="1000" dirty="0">
-                <a:solidFill>
-                  <a:srgbClr val="D4D4D4"/>
-                </a:solidFill>
-                <a:latin typeface="Consolas" panose="020B0609020204030204" pitchFamily="49" charset="0"/>
-                <a:cs typeface="Times New Roman" panose="02020603050405020304" pitchFamily="18" charset="0"/>
-              </a:rPr>
-              <a:t>,</a:t>
-            </a:r>
-            <a:r>
-              <a:rPr lang="en-CA" sz="1000" dirty="0">
-                <a:solidFill>
-                  <a:srgbClr val="CE9178"/>
-                </a:solidFill>
-                <a:latin typeface="Consolas" panose="020B0609020204030204" pitchFamily="49" charset="0"/>
-                <a:cs typeface="Times New Roman" panose="02020603050405020304" pitchFamily="18" charset="0"/>
-              </a:rPr>
-              <a:t>'12'</a:t>
-            </a:r>
-            <a:r>
-              <a:rPr lang="en-CA" sz="1000" dirty="0">
-                <a:solidFill>
-                  <a:srgbClr val="D4D4D4"/>
-                </a:solidFill>
-                <a:latin typeface="Consolas" panose="020B0609020204030204" pitchFamily="49" charset="0"/>
-                <a:cs typeface="Times New Roman" panose="02020603050405020304" pitchFamily="18" charset="0"/>
-              </a:rPr>
-              <a:t>]</a:t>
-            </a:r>
-          </a:p>
-          <a:p>
-            <a:r>
-              <a:rPr lang="en-CA" sz="1000" dirty="0">
-                <a:solidFill>
-                  <a:srgbClr val="D4D4D4"/>
-                </a:solidFill>
-                <a:latin typeface="Consolas" panose="020B0609020204030204" pitchFamily="49" charset="0"/>
-                <a:cs typeface="Times New Roman" panose="02020603050405020304" pitchFamily="18" charset="0"/>
-              </a:rPr>
-              <a:t>names = [</a:t>
-            </a:r>
-            <a:r>
-              <a:rPr lang="en-CA" sz="1000" dirty="0">
-                <a:solidFill>
-                  <a:srgbClr val="CE9178"/>
-                </a:solidFill>
-                <a:latin typeface="Consolas" panose="020B0609020204030204" pitchFamily="49" charset="0"/>
-                <a:cs typeface="Times New Roman" panose="02020603050405020304" pitchFamily="18" charset="0"/>
-              </a:rPr>
-              <a:t>'Jan.'</a:t>
-            </a:r>
-            <a:r>
-              <a:rPr lang="en-CA" sz="1000" dirty="0">
-                <a:solidFill>
-                  <a:srgbClr val="D4D4D4"/>
-                </a:solidFill>
-                <a:latin typeface="Consolas" panose="020B0609020204030204" pitchFamily="49" charset="0"/>
-                <a:cs typeface="Times New Roman" panose="02020603050405020304" pitchFamily="18" charset="0"/>
-              </a:rPr>
-              <a:t>,</a:t>
-            </a:r>
-            <a:r>
-              <a:rPr lang="en-CA" sz="1000" dirty="0">
-                <a:solidFill>
-                  <a:srgbClr val="CE9178"/>
-                </a:solidFill>
-                <a:latin typeface="Consolas" panose="020B0609020204030204" pitchFamily="49" charset="0"/>
-                <a:cs typeface="Times New Roman" panose="02020603050405020304" pitchFamily="18" charset="0"/>
-              </a:rPr>
-              <a:t>'Feb.'</a:t>
-            </a:r>
-            <a:r>
-              <a:rPr lang="en-CA" sz="1000" dirty="0">
-                <a:solidFill>
-                  <a:srgbClr val="D4D4D4"/>
-                </a:solidFill>
-                <a:latin typeface="Consolas" panose="020B0609020204030204" pitchFamily="49" charset="0"/>
-                <a:cs typeface="Times New Roman" panose="02020603050405020304" pitchFamily="18" charset="0"/>
-              </a:rPr>
-              <a:t>,</a:t>
-            </a:r>
-            <a:r>
-              <a:rPr lang="en-CA" sz="1000" dirty="0">
-                <a:solidFill>
-                  <a:srgbClr val="CE9178"/>
-                </a:solidFill>
-                <a:latin typeface="Consolas" panose="020B0609020204030204" pitchFamily="49" charset="0"/>
-                <a:cs typeface="Times New Roman" panose="02020603050405020304" pitchFamily="18" charset="0"/>
-              </a:rPr>
-              <a:t>'March'</a:t>
-            </a:r>
-            <a:r>
-              <a:rPr lang="en-CA" sz="1000" dirty="0">
-                <a:solidFill>
-                  <a:srgbClr val="D4D4D4"/>
-                </a:solidFill>
-                <a:latin typeface="Consolas" panose="020B0609020204030204" pitchFamily="49" charset="0"/>
-                <a:cs typeface="Times New Roman" panose="02020603050405020304" pitchFamily="18" charset="0"/>
-              </a:rPr>
-              <a:t>,</a:t>
-            </a:r>
-            <a:r>
-              <a:rPr lang="en-CA" sz="1000" dirty="0">
-                <a:solidFill>
-                  <a:srgbClr val="CE9178"/>
-                </a:solidFill>
-                <a:latin typeface="Consolas" panose="020B0609020204030204" pitchFamily="49" charset="0"/>
-                <a:cs typeface="Times New Roman" panose="02020603050405020304" pitchFamily="18" charset="0"/>
-              </a:rPr>
-              <a:t>'April'</a:t>
-            </a:r>
-            <a:r>
-              <a:rPr lang="en-CA" sz="1000" dirty="0">
-                <a:solidFill>
-                  <a:srgbClr val="D4D4D4"/>
-                </a:solidFill>
-                <a:latin typeface="Consolas" panose="020B0609020204030204" pitchFamily="49" charset="0"/>
-                <a:cs typeface="Times New Roman" panose="02020603050405020304" pitchFamily="18" charset="0"/>
-              </a:rPr>
-              <a:t>,</a:t>
-            </a:r>
-            <a:r>
-              <a:rPr lang="en-CA" sz="1000" dirty="0">
-                <a:solidFill>
-                  <a:srgbClr val="CE9178"/>
-                </a:solidFill>
-                <a:latin typeface="Consolas" panose="020B0609020204030204" pitchFamily="49" charset="0"/>
-                <a:cs typeface="Times New Roman" panose="02020603050405020304" pitchFamily="18" charset="0"/>
-              </a:rPr>
-              <a:t>'May'</a:t>
-            </a:r>
-            <a:r>
-              <a:rPr lang="en-CA" sz="1000" dirty="0">
-                <a:solidFill>
-                  <a:srgbClr val="D4D4D4"/>
-                </a:solidFill>
-                <a:latin typeface="Consolas" panose="020B0609020204030204" pitchFamily="49" charset="0"/>
-                <a:cs typeface="Times New Roman" panose="02020603050405020304" pitchFamily="18" charset="0"/>
-              </a:rPr>
-              <a:t>,</a:t>
-            </a:r>
-            <a:r>
-              <a:rPr lang="en-CA" sz="1000" dirty="0">
-                <a:solidFill>
-                  <a:srgbClr val="CE9178"/>
-                </a:solidFill>
-                <a:latin typeface="Consolas" panose="020B0609020204030204" pitchFamily="49" charset="0"/>
-                <a:cs typeface="Times New Roman" panose="02020603050405020304" pitchFamily="18" charset="0"/>
-              </a:rPr>
-              <a:t>'June'</a:t>
-            </a:r>
-            <a:r>
-              <a:rPr lang="en-CA" sz="1000" dirty="0">
-                <a:solidFill>
-                  <a:srgbClr val="D4D4D4"/>
-                </a:solidFill>
-                <a:latin typeface="Consolas" panose="020B0609020204030204" pitchFamily="49" charset="0"/>
-                <a:cs typeface="Times New Roman" panose="02020603050405020304" pitchFamily="18" charset="0"/>
-              </a:rPr>
-              <a:t>,</a:t>
-            </a:r>
-            <a:r>
-              <a:rPr lang="en-CA" sz="1000" dirty="0">
-                <a:solidFill>
-                  <a:srgbClr val="CE9178"/>
-                </a:solidFill>
-                <a:latin typeface="Consolas" panose="020B0609020204030204" pitchFamily="49" charset="0"/>
-                <a:cs typeface="Times New Roman" panose="02020603050405020304" pitchFamily="18" charset="0"/>
-              </a:rPr>
-              <a:t>'July'</a:t>
-            </a:r>
-            <a:r>
-              <a:rPr lang="en-CA" sz="1000" dirty="0">
-                <a:solidFill>
-                  <a:srgbClr val="D4D4D4"/>
-                </a:solidFill>
-                <a:latin typeface="Consolas" panose="020B0609020204030204" pitchFamily="49" charset="0"/>
-                <a:cs typeface="Times New Roman" panose="02020603050405020304" pitchFamily="18" charset="0"/>
-              </a:rPr>
-              <a:t>,</a:t>
-            </a:r>
-            <a:r>
-              <a:rPr lang="en-CA" sz="1000" dirty="0">
-                <a:solidFill>
-                  <a:srgbClr val="CE9178"/>
-                </a:solidFill>
-                <a:latin typeface="Consolas" panose="020B0609020204030204" pitchFamily="49" charset="0"/>
-                <a:cs typeface="Times New Roman" panose="02020603050405020304" pitchFamily="18" charset="0"/>
-              </a:rPr>
-              <a:t>'Aug.'</a:t>
-            </a:r>
-            <a:r>
-              <a:rPr lang="en-CA" sz="1000" dirty="0">
-                <a:solidFill>
-                  <a:srgbClr val="D4D4D4"/>
-                </a:solidFill>
-                <a:latin typeface="Consolas" panose="020B0609020204030204" pitchFamily="49" charset="0"/>
-                <a:cs typeface="Times New Roman" panose="02020603050405020304" pitchFamily="18" charset="0"/>
-              </a:rPr>
-              <a:t>,</a:t>
-            </a:r>
-            <a:r>
-              <a:rPr lang="en-CA" sz="1000" dirty="0">
-                <a:solidFill>
-                  <a:srgbClr val="CE9178"/>
-                </a:solidFill>
-                <a:latin typeface="Consolas" panose="020B0609020204030204" pitchFamily="49" charset="0"/>
-                <a:cs typeface="Times New Roman" panose="02020603050405020304" pitchFamily="18" charset="0"/>
-              </a:rPr>
-              <a:t>'Sept.'</a:t>
-            </a:r>
-            <a:r>
-              <a:rPr lang="en-CA" sz="1000" dirty="0">
-                <a:solidFill>
-                  <a:srgbClr val="D4D4D4"/>
-                </a:solidFill>
-                <a:latin typeface="Consolas" panose="020B0609020204030204" pitchFamily="49" charset="0"/>
-                <a:cs typeface="Times New Roman" panose="02020603050405020304" pitchFamily="18" charset="0"/>
-              </a:rPr>
-              <a:t>,</a:t>
-            </a:r>
-            <a:r>
-              <a:rPr lang="en-CA" sz="1000" dirty="0">
-                <a:solidFill>
-                  <a:srgbClr val="CE9178"/>
-                </a:solidFill>
-                <a:latin typeface="Consolas" panose="020B0609020204030204" pitchFamily="49" charset="0"/>
-                <a:cs typeface="Times New Roman" panose="02020603050405020304" pitchFamily="18" charset="0"/>
-              </a:rPr>
-              <a:t>'Oct.'</a:t>
-            </a:r>
-            <a:r>
-              <a:rPr lang="en-CA" sz="1000" dirty="0">
-                <a:solidFill>
-                  <a:srgbClr val="D4D4D4"/>
-                </a:solidFill>
-                <a:latin typeface="Consolas" panose="020B0609020204030204" pitchFamily="49" charset="0"/>
-                <a:cs typeface="Times New Roman" panose="02020603050405020304" pitchFamily="18" charset="0"/>
-              </a:rPr>
-              <a:t>,</a:t>
-            </a:r>
-            <a:r>
-              <a:rPr lang="en-CA" sz="1000" dirty="0">
-                <a:solidFill>
-                  <a:srgbClr val="CE9178"/>
-                </a:solidFill>
-                <a:latin typeface="Consolas" panose="020B0609020204030204" pitchFamily="49" charset="0"/>
-                <a:cs typeface="Times New Roman" panose="02020603050405020304" pitchFamily="18" charset="0"/>
-              </a:rPr>
-              <a:t>'Nov.'</a:t>
-            </a:r>
-            <a:r>
-              <a:rPr lang="en-CA" sz="1000" dirty="0">
-                <a:solidFill>
-                  <a:srgbClr val="D4D4D4"/>
-                </a:solidFill>
-                <a:latin typeface="Consolas" panose="020B0609020204030204" pitchFamily="49" charset="0"/>
-                <a:cs typeface="Times New Roman" panose="02020603050405020304" pitchFamily="18" charset="0"/>
-              </a:rPr>
-              <a:t>,</a:t>
-            </a:r>
-            <a:r>
-              <a:rPr lang="en-CA" sz="1000" dirty="0">
-                <a:solidFill>
-                  <a:srgbClr val="CE9178"/>
-                </a:solidFill>
-                <a:latin typeface="Consolas" panose="020B0609020204030204" pitchFamily="49" charset="0"/>
-                <a:cs typeface="Times New Roman" panose="02020603050405020304" pitchFamily="18" charset="0"/>
-              </a:rPr>
-              <a:t>'Dec.'</a:t>
-            </a:r>
-            <a:r>
-              <a:rPr lang="en-CA" sz="1000" dirty="0">
-                <a:solidFill>
-                  <a:srgbClr val="D4D4D4"/>
-                </a:solidFill>
-                <a:latin typeface="Consolas" panose="020B0609020204030204" pitchFamily="49" charset="0"/>
-                <a:cs typeface="Times New Roman" panose="02020603050405020304" pitchFamily="18" charset="0"/>
-              </a:rPr>
-              <a:t>]</a:t>
-            </a:r>
-          </a:p>
-          <a:p>
-            <a:br>
-              <a:rPr lang="en-CA" sz="1000" dirty="0">
-                <a:solidFill>
-                  <a:srgbClr val="D4D4D4"/>
-                </a:solidFill>
-                <a:latin typeface="Consolas" panose="020B0609020204030204" pitchFamily="49" charset="0"/>
-                <a:cs typeface="Times New Roman" panose="02020603050405020304" pitchFamily="18" charset="0"/>
-              </a:rPr>
-            </a:br>
-            <a:r>
-              <a:rPr lang="en-CA" sz="1000" dirty="0" err="1">
-                <a:solidFill>
-                  <a:srgbClr val="D4D4D4"/>
-                </a:solidFill>
-                <a:latin typeface="Consolas" panose="020B0609020204030204" pitchFamily="49" charset="0"/>
-                <a:cs typeface="Times New Roman" panose="02020603050405020304" pitchFamily="18" charset="0"/>
-              </a:rPr>
-              <a:t>month_dict</a:t>
-            </a:r>
-            <a:r>
-              <a:rPr lang="en-CA" sz="1000" dirty="0">
-                <a:solidFill>
-                  <a:srgbClr val="D4D4D4"/>
-                </a:solidFill>
-                <a:latin typeface="Consolas" panose="020B0609020204030204" pitchFamily="49" charset="0"/>
-                <a:cs typeface="Times New Roman" panose="02020603050405020304" pitchFamily="18" charset="0"/>
-              </a:rPr>
-              <a:t> = </a:t>
-            </a:r>
-            <a:r>
-              <a:rPr lang="en-CA" sz="1000" dirty="0" err="1">
-                <a:solidFill>
-                  <a:srgbClr val="4EC9B0"/>
-                </a:solidFill>
-                <a:latin typeface="Consolas" panose="020B0609020204030204" pitchFamily="49" charset="0"/>
-                <a:cs typeface="Times New Roman" panose="02020603050405020304" pitchFamily="18" charset="0"/>
-              </a:rPr>
-              <a:t>dict</a:t>
-            </a:r>
-            <a:r>
-              <a:rPr lang="en-CA" sz="1000" dirty="0">
-                <a:solidFill>
-                  <a:srgbClr val="D4D4D4"/>
-                </a:solidFill>
-                <a:latin typeface="Consolas" panose="020B0609020204030204" pitchFamily="49" charset="0"/>
-                <a:cs typeface="Times New Roman" panose="02020603050405020304" pitchFamily="18" charset="0"/>
-              </a:rPr>
-              <a:t>(</a:t>
-            </a:r>
-            <a:r>
-              <a:rPr lang="en-CA" sz="1000" dirty="0">
-                <a:solidFill>
-                  <a:srgbClr val="DCDCAA"/>
-                </a:solidFill>
-                <a:latin typeface="Consolas" panose="020B0609020204030204" pitchFamily="49" charset="0"/>
-                <a:cs typeface="Times New Roman" panose="02020603050405020304" pitchFamily="18" charset="0"/>
-              </a:rPr>
-              <a:t>zip</a:t>
-            </a:r>
-            <a:r>
-              <a:rPr lang="en-CA" sz="1000" dirty="0">
-                <a:solidFill>
-                  <a:srgbClr val="D4D4D4"/>
-                </a:solidFill>
-                <a:latin typeface="Consolas" panose="020B0609020204030204" pitchFamily="49" charset="0"/>
-                <a:cs typeface="Times New Roman" panose="02020603050405020304" pitchFamily="18" charset="0"/>
-              </a:rPr>
-              <a:t>(</a:t>
-            </a:r>
-            <a:r>
-              <a:rPr lang="en-CA" sz="1000" dirty="0" err="1">
-                <a:solidFill>
-                  <a:srgbClr val="D4D4D4"/>
-                </a:solidFill>
-                <a:latin typeface="Consolas" panose="020B0609020204030204" pitchFamily="49" charset="0"/>
-                <a:cs typeface="Times New Roman" panose="02020603050405020304" pitchFamily="18" charset="0"/>
-              </a:rPr>
-              <a:t>names,numbers</a:t>
-            </a:r>
-            <a:r>
-              <a:rPr lang="en-CA" sz="1000" dirty="0">
-                <a:solidFill>
-                  <a:srgbClr val="D4D4D4"/>
-                </a:solidFill>
-                <a:latin typeface="Consolas" panose="020B0609020204030204" pitchFamily="49" charset="0"/>
-                <a:cs typeface="Times New Roman" panose="02020603050405020304" pitchFamily="18" charset="0"/>
-              </a:rPr>
-              <a:t>))</a:t>
-            </a:r>
-          </a:p>
-          <a:p>
-            <a:br>
-              <a:rPr lang="en-CA" sz="1000" dirty="0">
-                <a:solidFill>
-                  <a:srgbClr val="D4D4D4"/>
-                </a:solidFill>
-                <a:latin typeface="Consolas" panose="020B0609020204030204" pitchFamily="49" charset="0"/>
-                <a:cs typeface="Times New Roman" panose="02020603050405020304" pitchFamily="18" charset="0"/>
-              </a:rPr>
-            </a:br>
-            <a:br>
-              <a:rPr lang="en-CA" sz="1000" dirty="0">
-                <a:solidFill>
-                  <a:srgbClr val="D4D4D4"/>
-                </a:solidFill>
-                <a:latin typeface="Consolas" panose="020B0609020204030204" pitchFamily="49" charset="0"/>
-                <a:cs typeface="Times New Roman" panose="02020603050405020304" pitchFamily="18" charset="0"/>
-              </a:rPr>
-            </a:br>
-            <a:r>
-              <a:rPr lang="en-CA" sz="1000" dirty="0">
-                <a:solidFill>
-                  <a:srgbClr val="6A9955"/>
-                </a:solidFill>
-                <a:latin typeface="Consolas" panose="020B0609020204030204" pitchFamily="49" charset="0"/>
-                <a:cs typeface="Times New Roman" panose="02020603050405020304" pitchFamily="18" charset="0"/>
-              </a:rPr>
-              <a:t># %%</a:t>
-            </a:r>
-            <a:endParaRPr lang="en-CA" sz="1000" dirty="0">
-              <a:solidFill>
-                <a:srgbClr val="D4D4D4"/>
-              </a:solidFill>
-              <a:latin typeface="Consolas" panose="020B0609020204030204" pitchFamily="49" charset="0"/>
-              <a:cs typeface="Times New Roman" panose="02020603050405020304" pitchFamily="18" charset="0"/>
-            </a:endParaRPr>
-          </a:p>
-          <a:p>
-            <a:r>
-              <a:rPr lang="en-CA" sz="1000" dirty="0">
-                <a:solidFill>
-                  <a:srgbClr val="C586C0"/>
-                </a:solidFill>
-                <a:latin typeface="Consolas" panose="020B0609020204030204" pitchFamily="49" charset="0"/>
-                <a:cs typeface="Times New Roman" panose="02020603050405020304" pitchFamily="18" charset="0"/>
-              </a:rPr>
-              <a:t>from</a:t>
-            </a:r>
-            <a:r>
-              <a:rPr lang="en-CA" sz="1000" dirty="0">
-                <a:solidFill>
-                  <a:srgbClr val="D4D4D4"/>
-                </a:solidFill>
-                <a:latin typeface="Consolas" panose="020B0609020204030204" pitchFamily="49" charset="0"/>
-                <a:cs typeface="Times New Roman" panose="02020603050405020304" pitchFamily="18" charset="0"/>
-              </a:rPr>
-              <a:t> datetime </a:t>
-            </a:r>
-            <a:r>
-              <a:rPr lang="en-CA" sz="1000" dirty="0">
-                <a:solidFill>
-                  <a:srgbClr val="C586C0"/>
-                </a:solidFill>
-                <a:latin typeface="Consolas" panose="020B0609020204030204" pitchFamily="49" charset="0"/>
-                <a:cs typeface="Times New Roman" panose="02020603050405020304" pitchFamily="18" charset="0"/>
-              </a:rPr>
-              <a:t>import</a:t>
-            </a:r>
-            <a:r>
-              <a:rPr lang="en-CA" sz="1000" dirty="0">
-                <a:solidFill>
-                  <a:srgbClr val="D4D4D4"/>
-                </a:solidFill>
-                <a:latin typeface="Consolas" panose="020B0609020204030204" pitchFamily="49" charset="0"/>
-                <a:cs typeface="Times New Roman" panose="02020603050405020304" pitchFamily="18" charset="0"/>
-              </a:rPr>
-              <a:t> datetime </a:t>
-            </a:r>
-            <a:r>
-              <a:rPr lang="en-CA" sz="1000" dirty="0">
-                <a:solidFill>
-                  <a:srgbClr val="C586C0"/>
-                </a:solidFill>
-                <a:latin typeface="Consolas" panose="020B0609020204030204" pitchFamily="49" charset="0"/>
-                <a:cs typeface="Times New Roman" panose="02020603050405020304" pitchFamily="18" charset="0"/>
-              </a:rPr>
-              <a:t>as</a:t>
-            </a:r>
-            <a:r>
-              <a:rPr lang="en-CA" sz="1000" dirty="0">
-                <a:solidFill>
-                  <a:srgbClr val="D4D4D4"/>
-                </a:solidFill>
-                <a:latin typeface="Consolas" panose="020B0609020204030204" pitchFamily="49" charset="0"/>
-                <a:cs typeface="Times New Roman" panose="02020603050405020304" pitchFamily="18" charset="0"/>
-              </a:rPr>
-              <a:t> dt</a:t>
-            </a:r>
-          </a:p>
-          <a:p>
-            <a:br>
-              <a:rPr lang="en-CA" sz="1000" dirty="0">
-                <a:solidFill>
-                  <a:srgbClr val="D4D4D4"/>
-                </a:solidFill>
-                <a:latin typeface="Consolas" panose="020B0609020204030204" pitchFamily="49" charset="0"/>
-                <a:cs typeface="Times New Roman" panose="02020603050405020304" pitchFamily="18" charset="0"/>
-              </a:rPr>
-            </a:br>
-            <a:br>
-              <a:rPr lang="en-CA" sz="1000" dirty="0">
-                <a:solidFill>
-                  <a:srgbClr val="D4D4D4"/>
-                </a:solidFill>
-                <a:latin typeface="Consolas" panose="020B0609020204030204" pitchFamily="49" charset="0"/>
-                <a:cs typeface="Times New Roman" panose="02020603050405020304" pitchFamily="18" charset="0"/>
-              </a:rPr>
-            </a:br>
-            <a:r>
-              <a:rPr lang="en-CA" sz="1000" dirty="0">
-                <a:solidFill>
-                  <a:srgbClr val="6A9955"/>
-                </a:solidFill>
-                <a:latin typeface="Consolas" panose="020B0609020204030204" pitchFamily="49" charset="0"/>
-                <a:cs typeface="Times New Roman" panose="02020603050405020304" pitchFamily="18" charset="0"/>
-              </a:rPr>
-              <a:t>#</a:t>
-            </a:r>
             <a:endParaRPr lang="en-CA" sz="1000" b="0" dirty="0">
               <a:solidFill>
                 <a:srgbClr val="D4D4D4"/>
@@ -20552,6 +20345,15 @@
               <a:t>We then used a library called </a:t>
             </a:r>
             <a:r>
+              <a:rPr lang="en-CA" sz="1400" b="1" dirty="0">
+                <a:solidFill>
+                  <a:prstClr val="black"/>
+                </a:solidFill>
+                <a:latin typeface="Century Gothic"/>
+              </a:rPr>
+              <a:t>p</a:t>
+            </a:r>
+            <a:r>
               <a:rPr kumimoji="0" lang="en-CA" sz="1400" b="1" i="0" u="none" strike="noStrike" kern="1200" cap="none" spc="0" normalizeH="0" baseline="0" noProof="0" dirty="0" err="1">
                 <a:ln>
                   <a:noFill/>
@@ -20566,7 +20368,7 @@
                 <a:ea typeface="+mn-ea"/>
                 <a:cs typeface="+mn-cs"/>
               </a:rPr>
-              <a:t>Pandas_datareader</a:t>
+              <a:t>andas_datareader</a:t>
             </a:r>
             <a:r>
               <a:rPr kumimoji="0" lang="en-CA" sz="1400" b="1" i="0" u="none" strike="noStrike" kern="1200" cap="none" spc="0" normalizeH="0" baseline="0" noProof="0" dirty="0">
@@ -20615,12 +20417,8 @@
           <a:lstStyle/>
           <a:p>
             <a:r>
-              <a:rPr lang="en-CA" dirty="0" err="1"/>
-              <a:t>Etract</a:t>
-            </a:r>
-            <a:r>
               <a:rPr lang="en-CA" dirty="0"/>
-              <a:t>| Selecting The Datasets</a:t>
+              <a:t>Extract| Selecting The Datasets</a:t>
             </a:r>
           </a:p>
         </p:txBody>
@@ -20639,8 +20437,8 @@
         </p:nvSpPr>
         <p:spPr>
           <a:xfrm>
-            <a:off x="3048000" y="1904516"/>
-            <a:ext cx="6096000" cy="4339650"/>
+            <a:off x="3047999" y="1904516"/>
+            <a:ext cx="6524625" cy="4339650"/>
           </a:xfrm>
           <a:prstGeom prst="rect">
             <a:avLst/>
@@ -20650,7 +20448,7 @@
           </a:solidFill>
         </p:spPr>
         <p:txBody>
-          <a:bodyPr>
+          <a:bodyPr wrap="square">
             <a:spAutoFit/>
           </a:bodyPr>
           <a:lstStyle/>
@@ -27441,65 +27239,6 @@
               </a:rPr>
               <a:t>)</a:t>
             </a:r>
-          </a:p>
-          <a:p>
-            <a:r>
-              <a:rPr lang="en-US" sz="1000" b="0" dirty="0">
-                <a:solidFill>
-                  <a:srgbClr val="6A9955"/>
-                </a:solidFill>
-                <a:effectLst/>
-                <a:latin typeface="Consolas" panose="020B0609020204030204" pitchFamily="49" charset="0"/>
-              </a:rPr>
-              <a:t># </a:t>
-            </a:r>
-            <a:r>
-              <a:rPr lang="en-US" sz="1000" b="0" dirty="0" err="1">
-                <a:solidFill>
-                  <a:srgbClr val="6A9955"/>
-                </a:solidFill>
-                <a:effectLst/>
-                <a:latin typeface="Consolas" panose="020B0609020204030204" pitchFamily="49" charset="0"/>
-              </a:rPr>
-              <a:t>cxn</a:t>
-            </a:r>
-            <a:r>
-              <a:rPr lang="en-US" sz="1000" b="0" dirty="0">
-                <a:solidFill>
-                  <a:srgbClr val="6A9955"/>
-                </a:solidFill>
-                <a:effectLst/>
-                <a:latin typeface="Consolas" panose="020B0609020204030204" pitchFamily="49" charset="0"/>
-              </a:rPr>
-              <a:t> = </a:t>
-            </a:r>
-            <a:r>
-              <a:rPr lang="en-US" sz="1000" b="0" dirty="0" err="1">
-                <a:solidFill>
-                  <a:srgbClr val="6A9955"/>
-                </a:solidFill>
-                <a:effectLst/>
-                <a:latin typeface="Consolas" panose="020B0609020204030204" pitchFamily="49" charset="0"/>
-              </a:rPr>
-              <a:t>engine.connect</a:t>
-            </a:r>
-            <a:r>
-              <a:rPr lang="en-US" sz="1000" b="0" dirty="0">
-                <a:solidFill>
-                  <a:srgbClr val="6A9955"/>
-                </a:solidFill>
-                <a:effectLst/>
-                <a:latin typeface="Consolas" panose="020B0609020204030204" pitchFamily="49" charset="0"/>
-              </a:rPr>
-              <a:t>()</a:t>
-            </a:r>
-            <a:endParaRPr lang="en-US" sz="1000" b="0" dirty="0">
-              <a:solidFill>
-                <a:srgbClr val="D4D4D4"/>
-              </a:solidFill>
-              <a:effectLst/>
-              <a:latin typeface="Consolas" panose="020B0609020204030204" pitchFamily="49" charset="0"/>
-            </a:endParaRPr>
           </a:p>
           <a:p>
             <a:br>
